--- a/正则表达式/ppt.pptx
+++ b/正则表达式/ppt.pptx
@@ -7347,7 +7347,7 @@
                   <a:schemeClr val="bg1"/>
                 </a:solidFill>
               </a:rPr>
-              <a:t>域名</a:t>
+              <a:t>域</a:t>
             </a:r>
             <a:r>
               <a:rPr lang="en-US" altLang="zh-CN" sz="2800">
@@ -7397,6 +7397,210 @@
               <a:t>wangzhiyi @  .qq     .  (com)      (.cn)</a:t>
             </a:r>
             <a:endParaRPr lang="en-US" altLang="zh-CN" sz="2800">
+              <a:solidFill>
+                <a:schemeClr val="bg1"/>
+              </a:solidFill>
+            </a:endParaRPr>
+          </a:p>
+        </p:txBody>
+      </p:sp>
+      <p:sp>
+        <p:nvSpPr>
+          <p:cNvPr id="2" name="文本框 1"/>
+          <p:cNvSpPr txBox="1"/>
+          <p:nvPr/>
+        </p:nvSpPr>
+        <p:spPr>
+          <a:xfrm>
+            <a:off x="960755" y="3444240"/>
+            <a:ext cx="8690610" cy="521970"/>
+          </a:xfrm>
+          <a:prstGeom prst="rect">
+            <a:avLst/>
+          </a:prstGeom>
+          <a:noFill/>
+        </p:spPr>
+        <p:txBody>
+          <a:bodyPr wrap="square" rtlCol="0" anchor="t">
+            <a:spAutoFit/>
+          </a:bodyPr>
+          <a:p>
+            <a:r>
+              <a:rPr lang="en-US" sz="2400">
+                <a:solidFill>
+                  <a:schemeClr val="bg1"/>
+                </a:solidFill>
+              </a:rPr>
+              <a:t>1. </a:t>
+            </a:r>
+            <a:r>
+              <a:rPr lang="zh-CN" altLang="en-US" sz="2400">
+                <a:solidFill>
+                  <a:schemeClr val="bg1"/>
+                </a:solidFill>
+              </a:rPr>
+              <a:t>任何</a:t>
+            </a:r>
+            <a:r>
+              <a:rPr lang="zh-CN" altLang="en-US" sz="2400">
+                <a:solidFill>
+                  <a:schemeClr val="bg1"/>
+                </a:solidFill>
+              </a:rPr>
+              <a:t>字母，数字，点</a:t>
+            </a:r>
+            <a:r>
+              <a:rPr lang="zh-CN" altLang="en-US" sz="2400">
+                <a:solidFill>
+                  <a:schemeClr val="bg1"/>
+                </a:solidFill>
+              </a:rPr>
+              <a:t>或者 连字符</a:t>
+            </a:r>
+            <a:r>
+              <a:rPr lang="en-US" altLang="zh-CN" sz="2800">
+                <a:solidFill>
+                  <a:schemeClr val="bg1"/>
+                </a:solidFill>
+              </a:rPr>
+              <a:t> </a:t>
+            </a:r>
+            <a:endParaRPr lang="en-US" altLang="zh-CN" sz="2800">
+              <a:solidFill>
+                <a:schemeClr val="bg1"/>
+              </a:solidFill>
+            </a:endParaRPr>
+          </a:p>
+        </p:txBody>
+      </p:sp>
+      <p:sp>
+        <p:nvSpPr>
+          <p:cNvPr id="3" name="文本框 2"/>
+          <p:cNvSpPr txBox="1"/>
+          <p:nvPr/>
+        </p:nvSpPr>
+        <p:spPr>
+          <a:xfrm>
+            <a:off x="960755" y="4180205"/>
+            <a:ext cx="8690610" cy="460375"/>
+          </a:xfrm>
+          <a:prstGeom prst="rect">
+            <a:avLst/>
+          </a:prstGeom>
+          <a:noFill/>
+        </p:spPr>
+        <p:txBody>
+          <a:bodyPr wrap="square" rtlCol="0" anchor="t">
+            <a:spAutoFit/>
+          </a:bodyPr>
+          <a:p>
+            <a:r>
+              <a:rPr lang="en-US" sz="2400">
+                <a:solidFill>
+                  <a:schemeClr val="bg1"/>
+                </a:solidFill>
+              </a:rPr>
+              <a:t>2. </a:t>
+            </a:r>
+            <a:r>
+              <a:rPr lang="zh-CN" altLang="en-US" sz="2400">
+                <a:solidFill>
+                  <a:schemeClr val="bg1"/>
+                </a:solidFill>
+              </a:rPr>
+              <a:t>任何字母，数字，连字符</a:t>
+            </a:r>
+            <a:endParaRPr lang="en-US" altLang="zh-CN" sz="2800">
+              <a:solidFill>
+                <a:schemeClr val="bg1"/>
+              </a:solidFill>
+            </a:endParaRPr>
+          </a:p>
+        </p:txBody>
+      </p:sp>
+      <p:sp>
+        <p:nvSpPr>
+          <p:cNvPr id="4" name="文本框 3"/>
+          <p:cNvSpPr txBox="1"/>
+          <p:nvPr/>
+        </p:nvSpPr>
+        <p:spPr>
+          <a:xfrm>
+            <a:off x="960755" y="4801870"/>
+            <a:ext cx="8690610" cy="460375"/>
+          </a:xfrm>
+          <a:prstGeom prst="rect">
+            <a:avLst/>
+          </a:prstGeom>
+          <a:noFill/>
+        </p:spPr>
+        <p:txBody>
+          <a:bodyPr wrap="square" rtlCol="0" anchor="t">
+            <a:spAutoFit/>
+          </a:bodyPr>
+          <a:p>
+            <a:r>
+              <a:rPr lang="en-US" sz="2400">
+                <a:solidFill>
+                  <a:schemeClr val="bg1"/>
+                </a:solidFill>
+              </a:rPr>
+              <a:t>3. </a:t>
+            </a:r>
+            <a:r>
+              <a:rPr lang="zh-CN" altLang="en-US" sz="2400">
+                <a:solidFill>
+                  <a:schemeClr val="bg1"/>
+                </a:solidFill>
+              </a:rPr>
+              <a:t>任何字母</a:t>
+            </a:r>
+            <a:endParaRPr lang="en-US" altLang="zh-CN" sz="2800">
+              <a:solidFill>
+                <a:schemeClr val="bg1"/>
+              </a:solidFill>
+            </a:endParaRPr>
+          </a:p>
+        </p:txBody>
+      </p:sp>
+      <p:sp>
+        <p:nvSpPr>
+          <p:cNvPr id="6" name="文本框 5"/>
+          <p:cNvSpPr txBox="1"/>
+          <p:nvPr/>
+        </p:nvSpPr>
+        <p:spPr>
+          <a:xfrm>
+            <a:off x="960755" y="5442585"/>
+            <a:ext cx="8690610" cy="460375"/>
+          </a:xfrm>
+          <a:prstGeom prst="rect">
+            <a:avLst/>
+          </a:prstGeom>
+          <a:noFill/>
+        </p:spPr>
+        <p:txBody>
+          <a:bodyPr wrap="square" rtlCol="0" anchor="t">
+            <a:spAutoFit/>
+          </a:bodyPr>
+          <a:p>
+            <a:r>
+              <a:rPr lang="en-US" sz="2400">
+                <a:solidFill>
+                  <a:schemeClr val="bg1"/>
+                </a:solidFill>
+              </a:rPr>
+              <a:t>4. (.) </a:t>
+            </a:r>
+            <a:r>
+              <a:rPr lang="zh-CN" altLang="en-US" sz="2400">
+                <a:solidFill>
+                  <a:schemeClr val="bg1"/>
+                </a:solidFill>
+              </a:rPr>
+              <a:t>开头的后面跟任何字母</a:t>
+            </a:r>
+            <a:endParaRPr lang="zh-CN" altLang="en-US" sz="2400">
               <a:solidFill>
                 <a:schemeClr val="bg1"/>
               </a:solidFill>

--- a/正则表达式/ppt.pptx
+++ b/正则表达式/ppt.pptx
@@ -7394,7 +7394,7 @@
                   <a:schemeClr val="bg1"/>
                 </a:solidFill>
               </a:rPr>
-              <a:t>wangzhiyi @  .qq     .  (com)      (.cn)</a:t>
+              <a:t>wangzhiyi @  qq     .  (com)      (.cn)</a:t>
             </a:r>
             <a:endParaRPr lang="en-US" altLang="zh-CN" sz="2800">
               <a:solidFill>

--- a/正则表达式/ppt.pptx
+++ b/正则表达式/ppt.pptx
@@ -5,13 +5,15 @@
     <p:sldMasterId id="2147483648" r:id="rId1"/>
   </p:sldMasterIdLst>
   <p:notesMasterIdLst>
-    <p:notesMasterId r:id="rId7"/>
+    <p:notesMasterId r:id="rId9"/>
   </p:notesMasterIdLst>
   <p:sldIdLst>
     <p:sldId id="323" r:id="rId3"/>
     <p:sldId id="356" r:id="rId4"/>
     <p:sldId id="388" r:id="rId5"/>
     <p:sldId id="447" r:id="rId6"/>
+    <p:sldId id="448" r:id="rId7"/>
+    <p:sldId id="450" r:id="rId8"/>
   </p:sldIdLst>
   <p:sldSz cx="12192000" cy="6858000"/>
   <p:notesSz cx="6858000" cy="9144000"/>
@@ -7614,6 +7616,1980 @@
     <a:masterClrMapping/>
   </p:clrMapOvr>
 </p:sld>
+</file>
+
+<file path=ppt/slides/slide5.xml><?xml version="1.0" encoding="utf-8"?>
+<p:sld xmlns:a="http://schemas.openxmlformats.org/drawingml/2006/main" xmlns:r="http://schemas.openxmlformats.org/officeDocument/2006/relationships" xmlns:p="http://schemas.openxmlformats.org/presentationml/2006/main">
+  <p:cSld>
+    <p:spTree>
+      <p:nvGrpSpPr>
+        <p:cNvPr id="1" name=""/>
+        <p:cNvGrpSpPr/>
+        <p:nvPr/>
+      </p:nvGrpSpPr>
+      <p:grpSpPr/>
+      <p:sp>
+        <p:nvSpPr>
+          <p:cNvPr id="582" name="Rectangle 47"/>
+          <p:cNvSpPr/>
+          <p:nvPr/>
+        </p:nvSpPr>
+        <p:spPr>
+          <a:xfrm>
+            <a:off x="1288212" y="759990"/>
+            <a:ext cx="1021715" cy="492125"/>
+          </a:xfrm>
+          <a:prstGeom prst="rect">
+            <a:avLst/>
+          </a:prstGeom>
+        </p:spPr>
+        <p:txBody>
+          <a:bodyPr wrap="none" lIns="0" tIns="0" rIns="0" bIns="0">
+            <a:spAutoFit/>
+          </a:bodyPr>
+          <a:p>
+            <a:pPr algn="l"/>
+            <a:r>
+              <a:rPr lang="zh-CN" altLang="en-US" sz="3200" b="1" dirty="0" smtClean="0">
+                <a:solidFill>
+                  <a:schemeClr val="bg1"/>
+                </a:solidFill>
+                <a:latin typeface="方正静蕾简体" pitchFamily="2" charset="-122"/>
+                <a:ea typeface="方正静蕾简体" pitchFamily="2" charset="-122"/>
+                <a:cs typeface="Arial" panose="020B0604020202020204" pitchFamily="34" charset="0"/>
+              </a:rPr>
+              <a:t> 前瞻</a:t>
+            </a:r>
+            <a:endParaRPr lang="zh-CN" altLang="en-US" sz="3200" b="1" dirty="0" smtClean="0">
+              <a:solidFill>
+                <a:schemeClr val="bg1"/>
+              </a:solidFill>
+              <a:latin typeface="方正静蕾简体" pitchFamily="2" charset="-122"/>
+              <a:ea typeface="方正静蕾简体" pitchFamily="2" charset="-122"/>
+              <a:cs typeface="Arial" panose="020B0604020202020204" pitchFamily="34" charset="0"/>
+            </a:endParaRPr>
+          </a:p>
+        </p:txBody>
+      </p:sp>
+      <p:grpSp>
+        <p:nvGrpSpPr>
+          <p:cNvPr id="103" name="Group 4"/>
+          <p:cNvGrpSpPr>
+            <a:grpSpLocks noChangeAspect="1"/>
+          </p:cNvGrpSpPr>
+          <p:nvPr/>
+        </p:nvGrpSpPr>
+        <p:grpSpPr bwMode="auto">
+          <a:xfrm rot="891772">
+            <a:off x="521512" y="551543"/>
+            <a:ext cx="507974" cy="919389"/>
+            <a:chOff x="472" y="425"/>
+            <a:chExt cx="363" cy="657"/>
+          </a:xfrm>
+        </p:grpSpPr>
+        <p:sp>
+          <p:nvSpPr>
+            <p:cNvPr id="104" name="Freeform 5"/>
+            <p:cNvSpPr>
+              <a:spLocks noEditPoints="1"/>
+            </p:cNvSpPr>
+            <p:nvPr/>
+          </p:nvSpPr>
+          <p:spPr bwMode="auto">
+            <a:xfrm>
+              <a:off x="472" y="425"/>
+              <a:ext cx="335" cy="657"/>
+            </a:xfrm>
+            <a:custGeom>
+              <a:avLst/>
+              <a:gdLst>
+                <a:gd name="T0" fmla="*/ 81 w 154"/>
+                <a:gd name="T1" fmla="*/ 9 h 305"/>
+                <a:gd name="T2" fmla="*/ 48 w 154"/>
+                <a:gd name="T3" fmla="*/ 43 h 305"/>
+                <a:gd name="T4" fmla="*/ 49 w 154"/>
+                <a:gd name="T5" fmla="*/ 47 h 305"/>
+                <a:gd name="T6" fmla="*/ 30 w 154"/>
+                <a:gd name="T7" fmla="*/ 143 h 305"/>
+                <a:gd name="T8" fmla="*/ 21 w 154"/>
+                <a:gd name="T9" fmla="*/ 158 h 305"/>
+                <a:gd name="T10" fmla="*/ 88 w 154"/>
+                <a:gd name="T11" fmla="*/ 243 h 305"/>
+                <a:gd name="T12" fmla="*/ 101 w 154"/>
+                <a:gd name="T13" fmla="*/ 243 h 305"/>
+                <a:gd name="T14" fmla="*/ 91 w 154"/>
+                <a:gd name="T15" fmla="*/ 285 h 305"/>
+                <a:gd name="T16" fmla="*/ 85 w 154"/>
+                <a:gd name="T17" fmla="*/ 275 h 305"/>
+                <a:gd name="T18" fmla="*/ 81 w 154"/>
+                <a:gd name="T19" fmla="*/ 278 h 305"/>
+                <a:gd name="T20" fmla="*/ 85 w 154"/>
+                <a:gd name="T21" fmla="*/ 303 h 305"/>
+                <a:gd name="T22" fmla="*/ 110 w 154"/>
+                <a:gd name="T23" fmla="*/ 247 h 305"/>
+                <a:gd name="T24" fmla="*/ 107 w 154"/>
+                <a:gd name="T25" fmla="*/ 238 h 305"/>
+                <a:gd name="T26" fmla="*/ 85 w 154"/>
+                <a:gd name="T27" fmla="*/ 164 h 305"/>
+                <a:gd name="T28" fmla="*/ 81 w 154"/>
+                <a:gd name="T29" fmla="*/ 151 h 305"/>
+                <a:gd name="T30" fmla="*/ 80 w 154"/>
+                <a:gd name="T31" fmla="*/ 143 h 305"/>
+                <a:gd name="T32" fmla="*/ 67 w 154"/>
+                <a:gd name="T33" fmla="*/ 92 h 305"/>
+                <a:gd name="T34" fmla="*/ 85 w 154"/>
+                <a:gd name="T35" fmla="*/ 39 h 305"/>
+                <a:gd name="T36" fmla="*/ 81 w 154"/>
+                <a:gd name="T37" fmla="*/ 11 h 305"/>
+                <a:gd name="T38" fmla="*/ 103 w 154"/>
+                <a:gd name="T39" fmla="*/ 228 h 305"/>
+                <a:gd name="T40" fmla="*/ 85 w 154"/>
+                <a:gd name="T41" fmla="*/ 174 h 305"/>
+                <a:gd name="T42" fmla="*/ 76 w 154"/>
+                <a:gd name="T43" fmla="*/ 143 h 305"/>
+                <a:gd name="T44" fmla="*/ 78 w 154"/>
+                <a:gd name="T45" fmla="*/ 151 h 305"/>
+                <a:gd name="T46" fmla="*/ 45 w 154"/>
+                <a:gd name="T47" fmla="*/ 189 h 305"/>
+                <a:gd name="T48" fmla="*/ 81 w 154"/>
+                <a:gd name="T49" fmla="*/ 174 h 305"/>
+                <a:gd name="T50" fmla="*/ 85 w 154"/>
+                <a:gd name="T51" fmla="*/ 192 h 305"/>
+                <a:gd name="T52" fmla="*/ 96 w 154"/>
+                <a:gd name="T53" fmla="*/ 231 h 305"/>
+                <a:gd name="T54" fmla="*/ 81 w 154"/>
+                <a:gd name="T55" fmla="*/ 233 h 305"/>
+                <a:gd name="T56" fmla="*/ 36 w 154"/>
+                <a:gd name="T57" fmla="*/ 147 h 305"/>
+                <a:gd name="T58" fmla="*/ 38 w 154"/>
+                <a:gd name="T59" fmla="*/ 143 h 305"/>
+                <a:gd name="T60" fmla="*/ 76 w 154"/>
+                <a:gd name="T61" fmla="*/ 143 h 305"/>
+                <a:gd name="T62" fmla="*/ 75 w 154"/>
+                <a:gd name="T63" fmla="*/ 47 h 305"/>
+                <a:gd name="T64" fmla="*/ 68 w 154"/>
+                <a:gd name="T65" fmla="*/ 75 h 305"/>
+                <a:gd name="T66" fmla="*/ 57 w 154"/>
+                <a:gd name="T67" fmla="*/ 47 h 305"/>
+                <a:gd name="T68" fmla="*/ 57 w 154"/>
+                <a:gd name="T69" fmla="*/ 19 h 305"/>
+                <a:gd name="T70" fmla="*/ 76 w 154"/>
+                <a:gd name="T71" fmla="*/ 43 h 305"/>
+              </a:gdLst>
+              <a:ahLst/>
+              <a:cxnLst>
+                <a:cxn ang="0">
+                  <a:pos x="T0" y="T1"/>
+                </a:cxn>
+                <a:cxn ang="0">
+                  <a:pos x="T2" y="T3"/>
+                </a:cxn>
+                <a:cxn ang="0">
+                  <a:pos x="T4" y="T5"/>
+                </a:cxn>
+                <a:cxn ang="0">
+                  <a:pos x="T6" y="T7"/>
+                </a:cxn>
+                <a:cxn ang="0">
+                  <a:pos x="T8" y="T9"/>
+                </a:cxn>
+                <a:cxn ang="0">
+                  <a:pos x="T10" y="T11"/>
+                </a:cxn>
+                <a:cxn ang="0">
+                  <a:pos x="T12" y="T13"/>
+                </a:cxn>
+                <a:cxn ang="0">
+                  <a:pos x="T14" y="T15"/>
+                </a:cxn>
+                <a:cxn ang="0">
+                  <a:pos x="T16" y="T17"/>
+                </a:cxn>
+                <a:cxn ang="0">
+                  <a:pos x="T18" y="T19"/>
+                </a:cxn>
+                <a:cxn ang="0">
+                  <a:pos x="T20" y="T21"/>
+                </a:cxn>
+                <a:cxn ang="0">
+                  <a:pos x="T22" y="T23"/>
+                </a:cxn>
+                <a:cxn ang="0">
+                  <a:pos x="T24" y="T25"/>
+                </a:cxn>
+                <a:cxn ang="0">
+                  <a:pos x="T26" y="T27"/>
+                </a:cxn>
+                <a:cxn ang="0">
+                  <a:pos x="T28" y="T29"/>
+                </a:cxn>
+                <a:cxn ang="0">
+                  <a:pos x="T30" y="T31"/>
+                </a:cxn>
+                <a:cxn ang="0">
+                  <a:pos x="T32" y="T33"/>
+                </a:cxn>
+                <a:cxn ang="0">
+                  <a:pos x="T34" y="T35"/>
+                </a:cxn>
+                <a:cxn ang="0">
+                  <a:pos x="T36" y="T37"/>
+                </a:cxn>
+                <a:cxn ang="0">
+                  <a:pos x="T38" y="T39"/>
+                </a:cxn>
+                <a:cxn ang="0">
+                  <a:pos x="T40" y="T41"/>
+                </a:cxn>
+                <a:cxn ang="0">
+                  <a:pos x="T42" y="T43"/>
+                </a:cxn>
+                <a:cxn ang="0">
+                  <a:pos x="T44" y="T45"/>
+                </a:cxn>
+                <a:cxn ang="0">
+                  <a:pos x="T46" y="T47"/>
+                </a:cxn>
+                <a:cxn ang="0">
+                  <a:pos x="T48" y="T49"/>
+                </a:cxn>
+                <a:cxn ang="0">
+                  <a:pos x="T50" y="T51"/>
+                </a:cxn>
+                <a:cxn ang="0">
+                  <a:pos x="T52" y="T53"/>
+                </a:cxn>
+                <a:cxn ang="0">
+                  <a:pos x="T54" y="T55"/>
+                </a:cxn>
+                <a:cxn ang="0">
+                  <a:pos x="T56" y="T57"/>
+                </a:cxn>
+                <a:cxn ang="0">
+                  <a:pos x="T58" y="T59"/>
+                </a:cxn>
+                <a:cxn ang="0">
+                  <a:pos x="T60" y="T61"/>
+                </a:cxn>
+                <a:cxn ang="0">
+                  <a:pos x="T62" y="T63"/>
+                </a:cxn>
+                <a:cxn ang="0">
+                  <a:pos x="T64" y="T65"/>
+                </a:cxn>
+                <a:cxn ang="0">
+                  <a:pos x="T66" y="T67"/>
+                </a:cxn>
+                <a:cxn ang="0">
+                  <a:pos x="T68" y="T69"/>
+                </a:cxn>
+                <a:cxn ang="0">
+                  <a:pos x="T70" y="T71"/>
+                </a:cxn>
+              </a:cxnLst>
+              <a:rect l="0" t="0" r="r" b="b"/>
+              <a:pathLst>
+                <a:path w="154" h="305">
+                  <a:moveTo>
+                    <a:pt x="81" y="11"/>
+                  </a:moveTo>
+                  <a:cubicBezTo>
+                    <a:pt x="81" y="10"/>
+                    <a:pt x="81" y="10"/>
+                    <a:pt x="81" y="9"/>
+                  </a:cubicBezTo>
+                  <a:cubicBezTo>
+                    <a:pt x="78" y="2"/>
+                    <a:pt x="64" y="0"/>
+                    <a:pt x="58" y="4"/>
+                  </a:cubicBezTo>
+                  <a:cubicBezTo>
+                    <a:pt x="48" y="10"/>
+                    <a:pt x="47" y="33"/>
+                    <a:pt x="48" y="43"/>
+                  </a:cubicBezTo>
+                  <a:cubicBezTo>
+                    <a:pt x="48" y="43"/>
+                    <a:pt x="48" y="43"/>
+                    <a:pt x="48" y="43"/>
+                  </a:cubicBezTo>
+                  <a:cubicBezTo>
+                    <a:pt x="48" y="44"/>
+                    <a:pt x="48" y="46"/>
+                    <a:pt x="49" y="47"/>
+                  </a:cubicBezTo>
+                  <a:cubicBezTo>
+                    <a:pt x="51" y="63"/>
+                    <a:pt x="56" y="78"/>
+                    <a:pt x="61" y="93"/>
+                  </a:cubicBezTo>
+                  <a:cubicBezTo>
+                    <a:pt x="52" y="110"/>
+                    <a:pt x="39" y="126"/>
+                    <a:pt x="30" y="143"/>
+                  </a:cubicBezTo>
+                  <a:cubicBezTo>
+                    <a:pt x="29" y="144"/>
+                    <a:pt x="28" y="146"/>
+                    <a:pt x="27" y="147"/>
+                  </a:cubicBezTo>
+                  <a:cubicBezTo>
+                    <a:pt x="25" y="151"/>
+                    <a:pt x="23" y="154"/>
+                    <a:pt x="21" y="158"/>
+                  </a:cubicBezTo>
+                  <a:cubicBezTo>
+                    <a:pt x="0" y="205"/>
+                    <a:pt x="32" y="238"/>
+                    <a:pt x="69" y="243"/>
+                  </a:cubicBezTo>
+                  <a:cubicBezTo>
+                    <a:pt x="75" y="244"/>
+                    <a:pt x="82" y="244"/>
+                    <a:pt x="88" y="243"/>
+                  </a:cubicBezTo>
+                  <a:cubicBezTo>
+                    <a:pt x="92" y="242"/>
+                    <a:pt x="96" y="242"/>
+                    <a:pt x="100" y="240"/>
+                  </a:cubicBezTo>
+                  <a:cubicBezTo>
+                    <a:pt x="100" y="241"/>
+                    <a:pt x="100" y="242"/>
+                    <a:pt x="101" y="243"/>
+                  </a:cubicBezTo>
+                  <a:cubicBezTo>
+                    <a:pt x="101" y="244"/>
+                    <a:pt x="101" y="246"/>
+                    <a:pt x="102" y="247"/>
+                  </a:cubicBezTo>
+                  <a:cubicBezTo>
+                    <a:pt x="104" y="258"/>
+                    <a:pt x="103" y="270"/>
+                    <a:pt x="91" y="285"/>
+                  </a:cubicBezTo>
+                  <a:cubicBezTo>
+                    <a:pt x="91" y="284"/>
+                    <a:pt x="91" y="284"/>
+                    <a:pt x="91" y="284"/>
+                  </a:cubicBezTo>
+                  <a:cubicBezTo>
+                    <a:pt x="92" y="280"/>
+                    <a:pt x="89" y="276"/>
+                    <a:pt x="85" y="275"/>
+                  </a:cubicBezTo>
+                  <a:cubicBezTo>
+                    <a:pt x="84" y="275"/>
+                    <a:pt x="82" y="276"/>
+                    <a:pt x="81" y="277"/>
+                  </a:cubicBezTo>
+                  <a:cubicBezTo>
+                    <a:pt x="81" y="277"/>
+                    <a:pt x="81" y="277"/>
+                    <a:pt x="81" y="278"/>
+                  </a:cubicBezTo>
+                  <a:cubicBezTo>
+                    <a:pt x="74" y="285"/>
+                    <a:pt x="75" y="295"/>
+                    <a:pt x="81" y="300"/>
+                  </a:cubicBezTo>
+                  <a:cubicBezTo>
+                    <a:pt x="82" y="301"/>
+                    <a:pt x="84" y="302"/>
+                    <a:pt x="85" y="303"/>
+                  </a:cubicBezTo>
+                  <a:cubicBezTo>
+                    <a:pt x="88" y="304"/>
+                    <a:pt x="92" y="305"/>
+                    <a:pt x="97" y="304"/>
+                  </a:cubicBezTo>
+                  <a:cubicBezTo>
+                    <a:pt x="120" y="297"/>
+                    <a:pt x="117" y="271"/>
+                    <a:pt x="110" y="247"/>
+                  </a:cubicBezTo>
+                  <a:cubicBezTo>
+                    <a:pt x="109" y="246"/>
+                    <a:pt x="109" y="244"/>
+                    <a:pt x="109" y="243"/>
+                  </a:cubicBezTo>
+                  <a:cubicBezTo>
+                    <a:pt x="108" y="241"/>
+                    <a:pt x="107" y="239"/>
+                    <a:pt x="107" y="238"/>
+                  </a:cubicBezTo>
+                  <a:cubicBezTo>
+                    <a:pt x="117" y="233"/>
+                    <a:pt x="127" y="226"/>
+                    <a:pt x="134" y="215"/>
+                  </a:cubicBezTo>
+                  <a:cubicBezTo>
+                    <a:pt x="154" y="188"/>
+                    <a:pt x="117" y="163"/>
+                    <a:pt x="85" y="164"/>
+                  </a:cubicBezTo>
+                  <a:cubicBezTo>
+                    <a:pt x="84" y="164"/>
+                    <a:pt x="84" y="164"/>
+                    <a:pt x="83" y="164"/>
+                  </a:cubicBezTo>
+                  <a:cubicBezTo>
+                    <a:pt x="83" y="159"/>
+                    <a:pt x="82" y="155"/>
+                    <a:pt x="81" y="151"/>
+                  </a:cubicBezTo>
+                  <a:cubicBezTo>
+                    <a:pt x="81" y="149"/>
+                    <a:pt x="81" y="148"/>
+                    <a:pt x="80" y="147"/>
+                  </a:cubicBezTo>
+                  <a:cubicBezTo>
+                    <a:pt x="80" y="146"/>
+                    <a:pt x="80" y="144"/>
+                    <a:pt x="80" y="143"/>
+                  </a:cubicBezTo>
+                  <a:cubicBezTo>
+                    <a:pt x="77" y="131"/>
+                    <a:pt x="75" y="119"/>
+                    <a:pt x="72" y="108"/>
+                  </a:cubicBezTo>
+                  <a:cubicBezTo>
+                    <a:pt x="71" y="103"/>
+                    <a:pt x="69" y="97"/>
+                    <a:pt x="67" y="92"/>
+                  </a:cubicBezTo>
+                  <a:cubicBezTo>
+                    <a:pt x="73" y="81"/>
+                    <a:pt x="78" y="71"/>
+                    <a:pt x="81" y="60"/>
+                  </a:cubicBezTo>
+                  <a:cubicBezTo>
+                    <a:pt x="83" y="53"/>
+                    <a:pt x="85" y="46"/>
+                    <a:pt x="85" y="39"/>
+                  </a:cubicBezTo>
+                  <a:cubicBezTo>
+                    <a:pt x="85" y="35"/>
+                    <a:pt x="85" y="32"/>
+                    <a:pt x="85" y="29"/>
+                  </a:cubicBezTo>
+                  <a:cubicBezTo>
+                    <a:pt x="85" y="23"/>
+                    <a:pt x="83" y="17"/>
+                    <a:pt x="81" y="11"/>
+                  </a:cubicBezTo>
+                  <a:close/>
+                  <a:moveTo>
+                    <a:pt x="109" y="225"/>
+                  </a:moveTo>
+                  <a:cubicBezTo>
+                    <a:pt x="107" y="226"/>
+                    <a:pt x="105" y="228"/>
+                    <a:pt x="103" y="228"/>
+                  </a:cubicBezTo>
+                  <a:cubicBezTo>
+                    <a:pt x="101" y="222"/>
+                    <a:pt x="98" y="216"/>
+                    <a:pt x="97" y="213"/>
+                  </a:cubicBezTo>
+                  <a:cubicBezTo>
+                    <a:pt x="92" y="200"/>
+                    <a:pt x="88" y="187"/>
+                    <a:pt x="85" y="174"/>
+                  </a:cubicBezTo>
+                  <a:cubicBezTo>
+                    <a:pt x="115" y="174"/>
+                    <a:pt x="144" y="202"/>
+                    <a:pt x="109" y="225"/>
+                  </a:cubicBezTo>
+                  <a:close/>
+                  <a:moveTo>
+                    <a:pt x="76" y="143"/>
+                  </a:moveTo>
+                  <a:cubicBezTo>
+                    <a:pt x="76" y="144"/>
+                    <a:pt x="76" y="146"/>
+                    <a:pt x="77" y="147"/>
+                  </a:cubicBezTo>
+                  <a:cubicBezTo>
+                    <a:pt x="77" y="148"/>
+                    <a:pt x="77" y="150"/>
+                    <a:pt x="78" y="151"/>
+                  </a:cubicBezTo>
+                  <a:cubicBezTo>
+                    <a:pt x="78" y="155"/>
+                    <a:pt x="79" y="160"/>
+                    <a:pt x="80" y="164"/>
+                  </a:cubicBezTo>
+                  <a:cubicBezTo>
+                    <a:pt x="64" y="165"/>
+                    <a:pt x="50" y="173"/>
+                    <a:pt x="45" y="189"/>
+                  </a:cubicBezTo>
+                  <a:cubicBezTo>
+                    <a:pt x="44" y="192"/>
+                    <a:pt x="49" y="194"/>
+                    <a:pt x="51" y="191"/>
+                  </a:cubicBezTo>
+                  <a:cubicBezTo>
+                    <a:pt x="59" y="180"/>
+                    <a:pt x="70" y="175"/>
+                    <a:pt x="81" y="174"/>
+                  </a:cubicBezTo>
+                  <a:cubicBezTo>
+                    <a:pt x="81" y="174"/>
+                    <a:pt x="82" y="174"/>
+                    <a:pt x="82" y="174"/>
+                  </a:cubicBezTo>
+                  <a:cubicBezTo>
+                    <a:pt x="83" y="180"/>
+                    <a:pt x="84" y="186"/>
+                    <a:pt x="85" y="192"/>
+                  </a:cubicBezTo>
+                  <a:cubicBezTo>
+                    <a:pt x="87" y="199"/>
+                    <a:pt x="88" y="207"/>
+                    <a:pt x="91" y="214"/>
+                  </a:cubicBezTo>
+                  <a:cubicBezTo>
+                    <a:pt x="92" y="220"/>
+                    <a:pt x="94" y="226"/>
+                    <a:pt x="96" y="231"/>
+                  </a:cubicBezTo>
+                  <a:cubicBezTo>
+                    <a:pt x="93" y="232"/>
+                    <a:pt x="89" y="233"/>
+                    <a:pt x="85" y="233"/>
+                  </a:cubicBezTo>
+                  <a:cubicBezTo>
+                    <a:pt x="84" y="233"/>
+                    <a:pt x="82" y="233"/>
+                    <a:pt x="81" y="233"/>
+                  </a:cubicBezTo>
+                  <a:cubicBezTo>
+                    <a:pt x="67" y="233"/>
+                    <a:pt x="52" y="228"/>
+                    <a:pt x="41" y="223"/>
+                  </a:cubicBezTo>
+                  <a:cubicBezTo>
+                    <a:pt x="9" y="206"/>
+                    <a:pt x="24" y="170"/>
+                    <a:pt x="36" y="147"/>
+                  </a:cubicBezTo>
+                  <a:cubicBezTo>
+                    <a:pt x="36" y="146"/>
+                    <a:pt x="36" y="145"/>
+                    <a:pt x="37" y="144"/>
+                  </a:cubicBezTo>
+                  <a:cubicBezTo>
+                    <a:pt x="37" y="144"/>
+                    <a:pt x="37" y="143"/>
+                    <a:pt x="38" y="143"/>
+                  </a:cubicBezTo>
+                  <a:cubicBezTo>
+                    <a:pt x="45" y="130"/>
+                    <a:pt x="54" y="116"/>
+                    <a:pt x="63" y="100"/>
+                  </a:cubicBezTo>
+                  <a:cubicBezTo>
+                    <a:pt x="67" y="114"/>
+                    <a:pt x="72" y="129"/>
+                    <a:pt x="76" y="143"/>
+                  </a:cubicBezTo>
+                  <a:close/>
+                  <a:moveTo>
+                    <a:pt x="76" y="43"/>
+                  </a:moveTo>
+                  <a:cubicBezTo>
+                    <a:pt x="76" y="44"/>
+                    <a:pt x="75" y="46"/>
+                    <a:pt x="75" y="47"/>
+                  </a:cubicBezTo>
+                  <a:cubicBezTo>
+                    <a:pt x="75" y="47"/>
+                    <a:pt x="75" y="48"/>
+                    <a:pt x="75" y="48"/>
+                  </a:cubicBezTo>
+                  <a:cubicBezTo>
+                    <a:pt x="74" y="57"/>
+                    <a:pt x="71" y="66"/>
+                    <a:pt x="68" y="75"/>
+                  </a:cubicBezTo>
+                  <a:cubicBezTo>
+                    <a:pt x="67" y="78"/>
+                    <a:pt x="66" y="81"/>
+                    <a:pt x="65" y="83"/>
+                  </a:cubicBezTo>
+                  <a:cubicBezTo>
+                    <a:pt x="61" y="71"/>
+                    <a:pt x="58" y="59"/>
+                    <a:pt x="57" y="47"/>
+                  </a:cubicBezTo>
+                  <a:cubicBezTo>
+                    <a:pt x="57" y="46"/>
+                    <a:pt x="56" y="44"/>
+                    <a:pt x="56" y="43"/>
+                  </a:cubicBezTo>
+                  <a:cubicBezTo>
+                    <a:pt x="56" y="35"/>
+                    <a:pt x="56" y="27"/>
+                    <a:pt x="57" y="19"/>
+                  </a:cubicBezTo>
+                  <a:cubicBezTo>
+                    <a:pt x="58" y="12"/>
+                    <a:pt x="64" y="13"/>
+                    <a:pt x="77" y="23"/>
+                  </a:cubicBezTo>
+                  <a:cubicBezTo>
+                    <a:pt x="77" y="30"/>
+                    <a:pt x="77" y="36"/>
+                    <a:pt x="76" y="43"/>
+                  </a:cubicBezTo>
+                  <a:close/>
+                </a:path>
+              </a:pathLst>
+            </a:custGeom>
+            <a:solidFill>
+              <a:srgbClr val="F2F2F2"/>
+            </a:solidFill>
+            <a:ln>
+              <a:noFill/>
+            </a:ln>
+            <a:extLst>
+              <a:ext uri="{91240B29-F687-4F45-9708-019B960494DF}">
+                <a14:hiddenLine xmlns:a14="http://schemas.microsoft.com/office/drawing/2010/main" w="9525">
+                  <a:solidFill>
+                    <a:srgbClr val="000000"/>
+                  </a:solidFill>
+                  <a:round/>
+                </a14:hiddenLine>
+              </a:ext>
+            </a:extLst>
+          </p:spPr>
+          <p:txBody>
+            <a:bodyPr vert="horz" wrap="square" lIns="91440" tIns="45720" rIns="91440" bIns="45720" numCol="1" anchor="t" anchorCtr="0" compatLnSpc="1"/>
+            <a:p>
+              <a:endParaRPr lang="zh-CN" altLang="en-US"/>
+            </a:p>
+          </p:txBody>
+        </p:sp>
+        <p:sp>
+          <p:nvSpPr>
+            <p:cNvPr id="105" name="Freeform 6"/>
+            <p:cNvSpPr/>
+            <p:nvPr/>
+          </p:nvSpPr>
+          <p:spPr bwMode="auto">
+            <a:xfrm>
+              <a:off x="735" y="774"/>
+              <a:ext cx="61" cy="52"/>
+            </a:xfrm>
+            <a:custGeom>
+              <a:avLst/>
+              <a:gdLst>
+                <a:gd name="T0" fmla="*/ 25 w 28"/>
+                <a:gd name="T1" fmla="*/ 23 h 24"/>
+                <a:gd name="T2" fmla="*/ 27 w 28"/>
+                <a:gd name="T3" fmla="*/ 21 h 24"/>
+                <a:gd name="T4" fmla="*/ 3 w 28"/>
+                <a:gd name="T5" fmla="*/ 1 h 24"/>
+                <a:gd name="T6" fmla="*/ 2 w 28"/>
+                <a:gd name="T7" fmla="*/ 4 h 24"/>
+                <a:gd name="T8" fmla="*/ 25 w 28"/>
+                <a:gd name="T9" fmla="*/ 23 h 24"/>
+              </a:gdLst>
+              <a:ahLst/>
+              <a:cxnLst>
+                <a:cxn ang="0">
+                  <a:pos x="T0" y="T1"/>
+                </a:cxn>
+                <a:cxn ang="0">
+                  <a:pos x="T2" y="T3"/>
+                </a:cxn>
+                <a:cxn ang="0">
+                  <a:pos x="T4" y="T5"/>
+                </a:cxn>
+                <a:cxn ang="0">
+                  <a:pos x="T6" y="T7"/>
+                </a:cxn>
+                <a:cxn ang="0">
+                  <a:pos x="T8" y="T9"/>
+                </a:cxn>
+              </a:cxnLst>
+              <a:rect l="0" t="0" r="r" b="b"/>
+              <a:pathLst>
+                <a:path w="28" h="24">
+                  <a:moveTo>
+                    <a:pt x="25" y="23"/>
+                  </a:moveTo>
+                  <a:cubicBezTo>
+                    <a:pt x="26" y="24"/>
+                    <a:pt x="28" y="23"/>
+                    <a:pt x="27" y="21"/>
+                  </a:cubicBezTo>
+                  <a:cubicBezTo>
+                    <a:pt x="24" y="10"/>
+                    <a:pt x="13" y="4"/>
+                    <a:pt x="3" y="1"/>
+                  </a:cubicBezTo>
+                  <a:cubicBezTo>
+                    <a:pt x="1" y="0"/>
+                    <a:pt x="0" y="3"/>
+                    <a:pt x="2" y="4"/>
+                  </a:cubicBezTo>
+                  <a:cubicBezTo>
+                    <a:pt x="10" y="10"/>
+                    <a:pt x="17" y="17"/>
+                    <a:pt x="25" y="23"/>
+                  </a:cubicBezTo>
+                  <a:close/>
+                </a:path>
+              </a:pathLst>
+            </a:custGeom>
+            <a:solidFill>
+              <a:srgbClr val="F2F2F2"/>
+            </a:solidFill>
+            <a:ln>
+              <a:noFill/>
+            </a:ln>
+            <a:extLst>
+              <a:ext uri="{91240B29-F687-4F45-9708-019B960494DF}">
+                <a14:hiddenLine xmlns:a14="http://schemas.microsoft.com/office/drawing/2010/main" w="9525">
+                  <a:solidFill>
+                    <a:srgbClr val="000000"/>
+                  </a:solidFill>
+                  <a:round/>
+                </a14:hiddenLine>
+              </a:ext>
+            </a:extLst>
+          </p:spPr>
+          <p:txBody>
+            <a:bodyPr vert="horz" wrap="square" lIns="91440" tIns="45720" rIns="91440" bIns="45720" numCol="1" anchor="t" anchorCtr="0" compatLnSpc="1"/>
+            <a:p>
+              <a:endParaRPr lang="zh-CN" altLang="en-US"/>
+            </a:p>
+          </p:txBody>
+        </p:sp>
+        <p:sp>
+          <p:nvSpPr>
+            <p:cNvPr id="106" name="Freeform 7"/>
+            <p:cNvSpPr/>
+            <p:nvPr/>
+          </p:nvSpPr>
+          <p:spPr bwMode="auto">
+            <a:xfrm>
+              <a:off x="759" y="748"/>
+              <a:ext cx="76" cy="50"/>
+            </a:xfrm>
+            <a:custGeom>
+              <a:avLst/>
+              <a:gdLst>
+                <a:gd name="T0" fmla="*/ 3 w 35"/>
+                <a:gd name="T1" fmla="*/ 1 h 23"/>
+                <a:gd name="T2" fmla="*/ 3 w 35"/>
+                <a:gd name="T3" fmla="*/ 5 h 23"/>
+                <a:gd name="T4" fmla="*/ 17 w 35"/>
+                <a:gd name="T5" fmla="*/ 11 h 23"/>
+                <a:gd name="T6" fmla="*/ 31 w 35"/>
+                <a:gd name="T7" fmla="*/ 22 h 23"/>
+                <a:gd name="T8" fmla="*/ 34 w 35"/>
+                <a:gd name="T9" fmla="*/ 20 h 23"/>
+                <a:gd name="T10" fmla="*/ 3 w 35"/>
+                <a:gd name="T11" fmla="*/ 1 h 23"/>
+              </a:gdLst>
+              <a:ahLst/>
+              <a:cxnLst>
+                <a:cxn ang="0">
+                  <a:pos x="T0" y="T1"/>
+                </a:cxn>
+                <a:cxn ang="0">
+                  <a:pos x="T2" y="T3"/>
+                </a:cxn>
+                <a:cxn ang="0">
+                  <a:pos x="T4" y="T5"/>
+                </a:cxn>
+                <a:cxn ang="0">
+                  <a:pos x="T6" y="T7"/>
+                </a:cxn>
+                <a:cxn ang="0">
+                  <a:pos x="T8" y="T9"/>
+                </a:cxn>
+                <a:cxn ang="0">
+                  <a:pos x="T10" y="T11"/>
+                </a:cxn>
+              </a:cxnLst>
+              <a:rect l="0" t="0" r="r" b="b"/>
+              <a:pathLst>
+                <a:path w="35" h="23">
+                  <a:moveTo>
+                    <a:pt x="3" y="1"/>
+                  </a:moveTo>
+                  <a:cubicBezTo>
+                    <a:pt x="1" y="1"/>
+                    <a:pt x="0" y="4"/>
+                    <a:pt x="3" y="5"/>
+                  </a:cubicBezTo>
+                  <a:cubicBezTo>
+                    <a:pt x="8" y="6"/>
+                    <a:pt x="13" y="8"/>
+                    <a:pt x="17" y="11"/>
+                  </a:cubicBezTo>
+                  <a:cubicBezTo>
+                    <a:pt x="22" y="15"/>
+                    <a:pt x="26" y="19"/>
+                    <a:pt x="31" y="22"/>
+                  </a:cubicBezTo>
+                  <a:cubicBezTo>
+                    <a:pt x="33" y="23"/>
+                    <a:pt x="35" y="22"/>
+                    <a:pt x="34" y="20"/>
+                  </a:cubicBezTo>
+                  <a:cubicBezTo>
+                    <a:pt x="30" y="8"/>
+                    <a:pt x="16" y="0"/>
+                    <a:pt x="3" y="1"/>
+                  </a:cubicBezTo>
+                  <a:close/>
+                </a:path>
+              </a:pathLst>
+            </a:custGeom>
+            <a:solidFill>
+              <a:srgbClr val="F2F2F2"/>
+            </a:solidFill>
+            <a:ln>
+              <a:noFill/>
+            </a:ln>
+            <a:extLst>
+              <a:ext uri="{91240B29-F687-4F45-9708-019B960494DF}">
+                <a14:hiddenLine xmlns:a14="http://schemas.microsoft.com/office/drawing/2010/main" w="9525">
+                  <a:solidFill>
+                    <a:srgbClr val="000000"/>
+                  </a:solidFill>
+                  <a:round/>
+                </a14:hiddenLine>
+              </a:ext>
+            </a:extLst>
+          </p:spPr>
+          <p:txBody>
+            <a:bodyPr vert="horz" wrap="square" lIns="91440" tIns="45720" rIns="91440" bIns="45720" numCol="1" anchor="t" anchorCtr="0" compatLnSpc="1"/>
+            <a:p>
+              <a:endParaRPr lang="zh-CN" altLang="en-US"/>
+            </a:p>
+          </p:txBody>
+        </p:sp>
+      </p:grpSp>
+      <p:sp>
+        <p:nvSpPr>
+          <p:cNvPr id="5" name="文本框 4"/>
+          <p:cNvSpPr txBox="1"/>
+          <p:nvPr/>
+        </p:nvSpPr>
+        <p:spPr>
+          <a:xfrm>
+            <a:off x="960755" y="1610995"/>
+            <a:ext cx="8690610" cy="953135"/>
+          </a:xfrm>
+          <a:prstGeom prst="rect">
+            <a:avLst/>
+          </a:prstGeom>
+          <a:noFill/>
+        </p:spPr>
+        <p:txBody>
+          <a:bodyPr wrap="square" rtlCol="0" anchor="t">
+            <a:spAutoFit/>
+          </a:bodyPr>
+          <a:p>
+            <a:r>
+              <a:rPr lang="zh-CN" altLang="en-US" sz="2800">
+                <a:solidFill>
+                  <a:schemeClr val="bg1"/>
+                </a:solidFill>
+              </a:rPr>
+              <a:t>正则表达式从文本头部向尾部开始解析，文本尾部方向，称为前</a:t>
+            </a:r>
+            <a:endParaRPr lang="zh-CN" altLang="en-US" sz="2800">
+              <a:solidFill>
+                <a:schemeClr val="bg1"/>
+              </a:solidFill>
+            </a:endParaRPr>
+          </a:p>
+        </p:txBody>
+      </p:sp>
+      <p:sp>
+        <p:nvSpPr>
+          <p:cNvPr id="4" name="文本框 3"/>
+          <p:cNvSpPr txBox="1"/>
+          <p:nvPr/>
+        </p:nvSpPr>
+        <p:spPr>
+          <a:xfrm>
+            <a:off x="1022985" y="2786380"/>
+            <a:ext cx="8690610" cy="953135"/>
+          </a:xfrm>
+          <a:prstGeom prst="rect">
+            <a:avLst/>
+          </a:prstGeom>
+          <a:noFill/>
+        </p:spPr>
+        <p:txBody>
+          <a:bodyPr wrap="square" rtlCol="0" anchor="t">
+            <a:spAutoFit/>
+          </a:bodyPr>
+          <a:p>
+            <a:r>
+              <a:rPr lang="zh-CN" altLang="en-US" sz="2800">
+                <a:solidFill>
+                  <a:schemeClr val="bg1"/>
+                </a:solidFill>
+              </a:rPr>
+              <a:t>前瞻就是在正则表达匹配到规则的时候，向前检查是否符合断言，后顾</a:t>
+            </a:r>
+            <a:r>
+              <a:rPr lang="en-US" altLang="zh-CN" sz="2800">
+                <a:solidFill>
+                  <a:schemeClr val="bg1"/>
+                </a:solidFill>
+              </a:rPr>
+              <a:t>/</a:t>
+            </a:r>
+            <a:r>
+              <a:rPr lang="zh-CN" altLang="en-US" sz="2800">
+                <a:solidFill>
+                  <a:schemeClr val="bg1"/>
+                </a:solidFill>
+              </a:rPr>
+              <a:t>后瞻方向相反</a:t>
+            </a:r>
+            <a:endParaRPr lang="zh-CN" altLang="en-US" sz="2800">
+              <a:solidFill>
+                <a:schemeClr val="bg1"/>
+              </a:solidFill>
+            </a:endParaRPr>
+          </a:p>
+        </p:txBody>
+      </p:sp>
+      <p:sp>
+        <p:nvSpPr>
+          <p:cNvPr id="6" name="文本框 5"/>
+          <p:cNvSpPr txBox="1"/>
+          <p:nvPr/>
+        </p:nvSpPr>
+        <p:spPr>
+          <a:xfrm>
+            <a:off x="1101090" y="3977005"/>
+            <a:ext cx="8690610" cy="521970"/>
+          </a:xfrm>
+          <a:prstGeom prst="rect">
+            <a:avLst/>
+          </a:prstGeom>
+          <a:noFill/>
+        </p:spPr>
+        <p:txBody>
+          <a:bodyPr wrap="square" rtlCol="0" anchor="t">
+            <a:spAutoFit/>
+          </a:bodyPr>
+          <a:p>
+            <a:r>
+              <a:rPr lang="en-US" altLang="zh-CN" sz="2800">
+                <a:solidFill>
+                  <a:schemeClr val="bg1"/>
+                </a:solidFill>
+              </a:rPr>
+              <a:t>Javascript </a:t>
+            </a:r>
+            <a:r>
+              <a:rPr lang="zh-CN" altLang="en-US" sz="2800">
+                <a:solidFill>
+                  <a:schemeClr val="bg1"/>
+                </a:solidFill>
+              </a:rPr>
+              <a:t>不支持后顾</a:t>
+            </a:r>
+            <a:endParaRPr lang="zh-CN" altLang="en-US" sz="2800">
+              <a:solidFill>
+                <a:schemeClr val="bg1"/>
+              </a:solidFill>
+            </a:endParaRPr>
+          </a:p>
+        </p:txBody>
+      </p:sp>
+      <p:sp>
+        <p:nvSpPr>
+          <p:cNvPr id="7" name="文本框 6"/>
+          <p:cNvSpPr txBox="1"/>
+          <p:nvPr/>
+        </p:nvSpPr>
+        <p:spPr>
+          <a:xfrm>
+            <a:off x="1160145" y="4919345"/>
+            <a:ext cx="8690610" cy="953135"/>
+          </a:xfrm>
+          <a:prstGeom prst="rect">
+            <a:avLst/>
+          </a:prstGeom>
+          <a:noFill/>
+        </p:spPr>
+        <p:txBody>
+          <a:bodyPr wrap="square" rtlCol="0" anchor="t">
+            <a:spAutoFit/>
+          </a:bodyPr>
+          <a:p>
+            <a:r>
+              <a:rPr lang="zh-CN" sz="2800">
+                <a:solidFill>
+                  <a:schemeClr val="bg1"/>
+                </a:solidFill>
+              </a:rPr>
+              <a:t>符合和不符合特定断言称为肯定</a:t>
+            </a:r>
+            <a:r>
+              <a:rPr lang="en-US" altLang="zh-CN" sz="2800">
+                <a:solidFill>
+                  <a:schemeClr val="bg1"/>
+                </a:solidFill>
+              </a:rPr>
+              <a:t>/</a:t>
+            </a:r>
+            <a:r>
+              <a:rPr lang="zh-CN" altLang="en-US" sz="2800">
+                <a:solidFill>
+                  <a:schemeClr val="bg1"/>
+                </a:solidFill>
+              </a:rPr>
+              <a:t>正向匹配和否定</a:t>
+            </a:r>
+            <a:r>
+              <a:rPr lang="en-US" altLang="zh-CN" sz="2800">
+                <a:solidFill>
+                  <a:schemeClr val="bg1"/>
+                </a:solidFill>
+              </a:rPr>
+              <a:t>/</a:t>
+            </a:r>
+            <a:r>
+              <a:rPr lang="zh-CN" altLang="en-US" sz="2800">
+                <a:solidFill>
+                  <a:schemeClr val="bg1"/>
+                </a:solidFill>
+              </a:rPr>
+              <a:t>负向匹配</a:t>
+            </a:r>
+            <a:endParaRPr lang="zh-CN" altLang="en-US" sz="2800">
+              <a:solidFill>
+                <a:schemeClr val="bg1"/>
+              </a:solidFill>
+            </a:endParaRPr>
+          </a:p>
+        </p:txBody>
+      </p:sp>
+    </p:spTree>
+  </p:cSld>
+  <p:clrMapOvr>
+    <a:masterClrMapping/>
+  </p:clrMapOvr>
+</p:sld>
+</file>
+
+<file path=ppt/slides/slide6.xml><?xml version="1.0" encoding="utf-8"?>
+<p:sld xmlns:a="http://schemas.openxmlformats.org/drawingml/2006/main" xmlns:r="http://schemas.openxmlformats.org/officeDocument/2006/relationships" xmlns:p="http://schemas.openxmlformats.org/presentationml/2006/main">
+  <p:cSld>
+    <p:spTree>
+      <p:nvGrpSpPr>
+        <p:cNvPr id="1" name=""/>
+        <p:cNvGrpSpPr/>
+        <p:nvPr/>
+      </p:nvGrpSpPr>
+      <p:grpSpPr/>
+      <p:sp>
+        <p:nvSpPr>
+          <p:cNvPr id="582" name="Rectangle 47"/>
+          <p:cNvSpPr/>
+          <p:nvPr/>
+        </p:nvSpPr>
+        <p:spPr>
+          <a:xfrm>
+            <a:off x="1288212" y="759990"/>
+            <a:ext cx="1021715" cy="492125"/>
+          </a:xfrm>
+          <a:prstGeom prst="rect">
+            <a:avLst/>
+          </a:prstGeom>
+        </p:spPr>
+        <p:txBody>
+          <a:bodyPr wrap="none" lIns="0" tIns="0" rIns="0" bIns="0">
+            <a:spAutoFit/>
+          </a:bodyPr>
+          <a:p>
+            <a:pPr algn="l"/>
+            <a:r>
+              <a:rPr lang="zh-CN" altLang="en-US" sz="3200" b="1" dirty="0" smtClean="0">
+                <a:solidFill>
+                  <a:schemeClr val="bg1"/>
+                </a:solidFill>
+                <a:latin typeface="方正静蕾简体" pitchFamily="2" charset="-122"/>
+                <a:ea typeface="方正静蕾简体" pitchFamily="2" charset="-122"/>
+                <a:cs typeface="Arial" panose="020B0604020202020204" pitchFamily="34" charset="0"/>
+              </a:rPr>
+              <a:t> 前瞻</a:t>
+            </a:r>
+            <a:endParaRPr lang="zh-CN" altLang="en-US" sz="3200" b="1" dirty="0" smtClean="0">
+              <a:solidFill>
+                <a:schemeClr val="bg1"/>
+              </a:solidFill>
+              <a:latin typeface="方正静蕾简体" pitchFamily="2" charset="-122"/>
+              <a:ea typeface="方正静蕾简体" pitchFamily="2" charset="-122"/>
+              <a:cs typeface="Arial" panose="020B0604020202020204" pitchFamily="34" charset="0"/>
+            </a:endParaRPr>
+          </a:p>
+        </p:txBody>
+      </p:sp>
+      <p:grpSp>
+        <p:nvGrpSpPr>
+          <p:cNvPr id="103" name="Group 4"/>
+          <p:cNvGrpSpPr>
+            <a:grpSpLocks noChangeAspect="1"/>
+          </p:cNvGrpSpPr>
+          <p:nvPr/>
+        </p:nvGrpSpPr>
+        <p:grpSpPr bwMode="auto">
+          <a:xfrm rot="891772">
+            <a:off x="521512" y="551543"/>
+            <a:ext cx="507974" cy="919389"/>
+            <a:chOff x="472" y="425"/>
+            <a:chExt cx="363" cy="657"/>
+          </a:xfrm>
+        </p:grpSpPr>
+        <p:sp>
+          <p:nvSpPr>
+            <p:cNvPr id="104" name="Freeform 5"/>
+            <p:cNvSpPr>
+              <a:spLocks noEditPoints="1"/>
+            </p:cNvSpPr>
+            <p:nvPr/>
+          </p:nvSpPr>
+          <p:spPr bwMode="auto">
+            <a:xfrm>
+              <a:off x="472" y="425"/>
+              <a:ext cx="335" cy="657"/>
+            </a:xfrm>
+            <a:custGeom>
+              <a:avLst/>
+              <a:gdLst>
+                <a:gd name="T0" fmla="*/ 81 w 154"/>
+                <a:gd name="T1" fmla="*/ 9 h 305"/>
+                <a:gd name="T2" fmla="*/ 48 w 154"/>
+                <a:gd name="T3" fmla="*/ 43 h 305"/>
+                <a:gd name="T4" fmla="*/ 49 w 154"/>
+                <a:gd name="T5" fmla="*/ 47 h 305"/>
+                <a:gd name="T6" fmla="*/ 30 w 154"/>
+                <a:gd name="T7" fmla="*/ 143 h 305"/>
+                <a:gd name="T8" fmla="*/ 21 w 154"/>
+                <a:gd name="T9" fmla="*/ 158 h 305"/>
+                <a:gd name="T10" fmla="*/ 88 w 154"/>
+                <a:gd name="T11" fmla="*/ 243 h 305"/>
+                <a:gd name="T12" fmla="*/ 101 w 154"/>
+                <a:gd name="T13" fmla="*/ 243 h 305"/>
+                <a:gd name="T14" fmla="*/ 91 w 154"/>
+                <a:gd name="T15" fmla="*/ 285 h 305"/>
+                <a:gd name="T16" fmla="*/ 85 w 154"/>
+                <a:gd name="T17" fmla="*/ 275 h 305"/>
+                <a:gd name="T18" fmla="*/ 81 w 154"/>
+                <a:gd name="T19" fmla="*/ 278 h 305"/>
+                <a:gd name="T20" fmla="*/ 85 w 154"/>
+                <a:gd name="T21" fmla="*/ 303 h 305"/>
+                <a:gd name="T22" fmla="*/ 110 w 154"/>
+                <a:gd name="T23" fmla="*/ 247 h 305"/>
+                <a:gd name="T24" fmla="*/ 107 w 154"/>
+                <a:gd name="T25" fmla="*/ 238 h 305"/>
+                <a:gd name="T26" fmla="*/ 85 w 154"/>
+                <a:gd name="T27" fmla="*/ 164 h 305"/>
+                <a:gd name="T28" fmla="*/ 81 w 154"/>
+                <a:gd name="T29" fmla="*/ 151 h 305"/>
+                <a:gd name="T30" fmla="*/ 80 w 154"/>
+                <a:gd name="T31" fmla="*/ 143 h 305"/>
+                <a:gd name="T32" fmla="*/ 67 w 154"/>
+                <a:gd name="T33" fmla="*/ 92 h 305"/>
+                <a:gd name="T34" fmla="*/ 85 w 154"/>
+                <a:gd name="T35" fmla="*/ 39 h 305"/>
+                <a:gd name="T36" fmla="*/ 81 w 154"/>
+                <a:gd name="T37" fmla="*/ 11 h 305"/>
+                <a:gd name="T38" fmla="*/ 103 w 154"/>
+                <a:gd name="T39" fmla="*/ 228 h 305"/>
+                <a:gd name="T40" fmla="*/ 85 w 154"/>
+                <a:gd name="T41" fmla="*/ 174 h 305"/>
+                <a:gd name="T42" fmla="*/ 76 w 154"/>
+                <a:gd name="T43" fmla="*/ 143 h 305"/>
+                <a:gd name="T44" fmla="*/ 78 w 154"/>
+                <a:gd name="T45" fmla="*/ 151 h 305"/>
+                <a:gd name="T46" fmla="*/ 45 w 154"/>
+                <a:gd name="T47" fmla="*/ 189 h 305"/>
+                <a:gd name="T48" fmla="*/ 81 w 154"/>
+                <a:gd name="T49" fmla="*/ 174 h 305"/>
+                <a:gd name="T50" fmla="*/ 85 w 154"/>
+                <a:gd name="T51" fmla="*/ 192 h 305"/>
+                <a:gd name="T52" fmla="*/ 96 w 154"/>
+                <a:gd name="T53" fmla="*/ 231 h 305"/>
+                <a:gd name="T54" fmla="*/ 81 w 154"/>
+                <a:gd name="T55" fmla="*/ 233 h 305"/>
+                <a:gd name="T56" fmla="*/ 36 w 154"/>
+                <a:gd name="T57" fmla="*/ 147 h 305"/>
+                <a:gd name="T58" fmla="*/ 38 w 154"/>
+                <a:gd name="T59" fmla="*/ 143 h 305"/>
+                <a:gd name="T60" fmla="*/ 76 w 154"/>
+                <a:gd name="T61" fmla="*/ 143 h 305"/>
+                <a:gd name="T62" fmla="*/ 75 w 154"/>
+                <a:gd name="T63" fmla="*/ 47 h 305"/>
+                <a:gd name="T64" fmla="*/ 68 w 154"/>
+                <a:gd name="T65" fmla="*/ 75 h 305"/>
+                <a:gd name="T66" fmla="*/ 57 w 154"/>
+                <a:gd name="T67" fmla="*/ 47 h 305"/>
+                <a:gd name="T68" fmla="*/ 57 w 154"/>
+                <a:gd name="T69" fmla="*/ 19 h 305"/>
+                <a:gd name="T70" fmla="*/ 76 w 154"/>
+                <a:gd name="T71" fmla="*/ 43 h 305"/>
+              </a:gdLst>
+              <a:ahLst/>
+              <a:cxnLst>
+                <a:cxn ang="0">
+                  <a:pos x="T0" y="T1"/>
+                </a:cxn>
+                <a:cxn ang="0">
+                  <a:pos x="T2" y="T3"/>
+                </a:cxn>
+                <a:cxn ang="0">
+                  <a:pos x="T4" y="T5"/>
+                </a:cxn>
+                <a:cxn ang="0">
+                  <a:pos x="T6" y="T7"/>
+                </a:cxn>
+                <a:cxn ang="0">
+                  <a:pos x="T8" y="T9"/>
+                </a:cxn>
+                <a:cxn ang="0">
+                  <a:pos x="T10" y="T11"/>
+                </a:cxn>
+                <a:cxn ang="0">
+                  <a:pos x="T12" y="T13"/>
+                </a:cxn>
+                <a:cxn ang="0">
+                  <a:pos x="T14" y="T15"/>
+                </a:cxn>
+                <a:cxn ang="0">
+                  <a:pos x="T16" y="T17"/>
+                </a:cxn>
+                <a:cxn ang="0">
+                  <a:pos x="T18" y="T19"/>
+                </a:cxn>
+                <a:cxn ang="0">
+                  <a:pos x="T20" y="T21"/>
+                </a:cxn>
+                <a:cxn ang="0">
+                  <a:pos x="T22" y="T23"/>
+                </a:cxn>
+                <a:cxn ang="0">
+                  <a:pos x="T24" y="T25"/>
+                </a:cxn>
+                <a:cxn ang="0">
+                  <a:pos x="T26" y="T27"/>
+                </a:cxn>
+                <a:cxn ang="0">
+                  <a:pos x="T28" y="T29"/>
+                </a:cxn>
+                <a:cxn ang="0">
+                  <a:pos x="T30" y="T31"/>
+                </a:cxn>
+                <a:cxn ang="0">
+                  <a:pos x="T32" y="T33"/>
+                </a:cxn>
+                <a:cxn ang="0">
+                  <a:pos x="T34" y="T35"/>
+                </a:cxn>
+                <a:cxn ang="0">
+                  <a:pos x="T36" y="T37"/>
+                </a:cxn>
+                <a:cxn ang="0">
+                  <a:pos x="T38" y="T39"/>
+                </a:cxn>
+                <a:cxn ang="0">
+                  <a:pos x="T40" y="T41"/>
+                </a:cxn>
+                <a:cxn ang="0">
+                  <a:pos x="T42" y="T43"/>
+                </a:cxn>
+                <a:cxn ang="0">
+                  <a:pos x="T44" y="T45"/>
+                </a:cxn>
+                <a:cxn ang="0">
+                  <a:pos x="T46" y="T47"/>
+                </a:cxn>
+                <a:cxn ang="0">
+                  <a:pos x="T48" y="T49"/>
+                </a:cxn>
+                <a:cxn ang="0">
+                  <a:pos x="T50" y="T51"/>
+                </a:cxn>
+                <a:cxn ang="0">
+                  <a:pos x="T52" y="T53"/>
+                </a:cxn>
+                <a:cxn ang="0">
+                  <a:pos x="T54" y="T55"/>
+                </a:cxn>
+                <a:cxn ang="0">
+                  <a:pos x="T56" y="T57"/>
+                </a:cxn>
+                <a:cxn ang="0">
+                  <a:pos x="T58" y="T59"/>
+                </a:cxn>
+                <a:cxn ang="0">
+                  <a:pos x="T60" y="T61"/>
+                </a:cxn>
+                <a:cxn ang="0">
+                  <a:pos x="T62" y="T63"/>
+                </a:cxn>
+                <a:cxn ang="0">
+                  <a:pos x="T64" y="T65"/>
+                </a:cxn>
+                <a:cxn ang="0">
+                  <a:pos x="T66" y="T67"/>
+                </a:cxn>
+                <a:cxn ang="0">
+                  <a:pos x="T68" y="T69"/>
+                </a:cxn>
+                <a:cxn ang="0">
+                  <a:pos x="T70" y="T71"/>
+                </a:cxn>
+              </a:cxnLst>
+              <a:rect l="0" t="0" r="r" b="b"/>
+              <a:pathLst>
+                <a:path w="154" h="305">
+                  <a:moveTo>
+                    <a:pt x="81" y="11"/>
+                  </a:moveTo>
+                  <a:cubicBezTo>
+                    <a:pt x="81" y="10"/>
+                    <a:pt x="81" y="10"/>
+                    <a:pt x="81" y="9"/>
+                  </a:cubicBezTo>
+                  <a:cubicBezTo>
+                    <a:pt x="78" y="2"/>
+                    <a:pt x="64" y="0"/>
+                    <a:pt x="58" y="4"/>
+                  </a:cubicBezTo>
+                  <a:cubicBezTo>
+                    <a:pt x="48" y="10"/>
+                    <a:pt x="47" y="33"/>
+                    <a:pt x="48" y="43"/>
+                  </a:cubicBezTo>
+                  <a:cubicBezTo>
+                    <a:pt x="48" y="43"/>
+                    <a:pt x="48" y="43"/>
+                    <a:pt x="48" y="43"/>
+                  </a:cubicBezTo>
+                  <a:cubicBezTo>
+                    <a:pt x="48" y="44"/>
+                    <a:pt x="48" y="46"/>
+                    <a:pt x="49" y="47"/>
+                  </a:cubicBezTo>
+                  <a:cubicBezTo>
+                    <a:pt x="51" y="63"/>
+                    <a:pt x="56" y="78"/>
+                    <a:pt x="61" y="93"/>
+                  </a:cubicBezTo>
+                  <a:cubicBezTo>
+                    <a:pt x="52" y="110"/>
+                    <a:pt x="39" y="126"/>
+                    <a:pt x="30" y="143"/>
+                  </a:cubicBezTo>
+                  <a:cubicBezTo>
+                    <a:pt x="29" y="144"/>
+                    <a:pt x="28" y="146"/>
+                    <a:pt x="27" y="147"/>
+                  </a:cubicBezTo>
+                  <a:cubicBezTo>
+                    <a:pt x="25" y="151"/>
+                    <a:pt x="23" y="154"/>
+                    <a:pt x="21" y="158"/>
+                  </a:cubicBezTo>
+                  <a:cubicBezTo>
+                    <a:pt x="0" y="205"/>
+                    <a:pt x="32" y="238"/>
+                    <a:pt x="69" y="243"/>
+                  </a:cubicBezTo>
+                  <a:cubicBezTo>
+                    <a:pt x="75" y="244"/>
+                    <a:pt x="82" y="244"/>
+                    <a:pt x="88" y="243"/>
+                  </a:cubicBezTo>
+                  <a:cubicBezTo>
+                    <a:pt x="92" y="242"/>
+                    <a:pt x="96" y="242"/>
+                    <a:pt x="100" y="240"/>
+                  </a:cubicBezTo>
+                  <a:cubicBezTo>
+                    <a:pt x="100" y="241"/>
+                    <a:pt x="100" y="242"/>
+                    <a:pt x="101" y="243"/>
+                  </a:cubicBezTo>
+                  <a:cubicBezTo>
+                    <a:pt x="101" y="244"/>
+                    <a:pt x="101" y="246"/>
+                    <a:pt x="102" y="247"/>
+                  </a:cubicBezTo>
+                  <a:cubicBezTo>
+                    <a:pt x="104" y="258"/>
+                    <a:pt x="103" y="270"/>
+                    <a:pt x="91" y="285"/>
+                  </a:cubicBezTo>
+                  <a:cubicBezTo>
+                    <a:pt x="91" y="284"/>
+                    <a:pt x="91" y="284"/>
+                    <a:pt x="91" y="284"/>
+                  </a:cubicBezTo>
+                  <a:cubicBezTo>
+                    <a:pt x="92" y="280"/>
+                    <a:pt x="89" y="276"/>
+                    <a:pt x="85" y="275"/>
+                  </a:cubicBezTo>
+                  <a:cubicBezTo>
+                    <a:pt x="84" y="275"/>
+                    <a:pt x="82" y="276"/>
+                    <a:pt x="81" y="277"/>
+                  </a:cubicBezTo>
+                  <a:cubicBezTo>
+                    <a:pt x="81" y="277"/>
+                    <a:pt x="81" y="277"/>
+                    <a:pt x="81" y="278"/>
+                  </a:cubicBezTo>
+                  <a:cubicBezTo>
+                    <a:pt x="74" y="285"/>
+                    <a:pt x="75" y="295"/>
+                    <a:pt x="81" y="300"/>
+                  </a:cubicBezTo>
+                  <a:cubicBezTo>
+                    <a:pt x="82" y="301"/>
+                    <a:pt x="84" y="302"/>
+                    <a:pt x="85" y="303"/>
+                  </a:cubicBezTo>
+                  <a:cubicBezTo>
+                    <a:pt x="88" y="304"/>
+                    <a:pt x="92" y="305"/>
+                    <a:pt x="97" y="304"/>
+                  </a:cubicBezTo>
+                  <a:cubicBezTo>
+                    <a:pt x="120" y="297"/>
+                    <a:pt x="117" y="271"/>
+                    <a:pt x="110" y="247"/>
+                  </a:cubicBezTo>
+                  <a:cubicBezTo>
+                    <a:pt x="109" y="246"/>
+                    <a:pt x="109" y="244"/>
+                    <a:pt x="109" y="243"/>
+                  </a:cubicBezTo>
+                  <a:cubicBezTo>
+                    <a:pt x="108" y="241"/>
+                    <a:pt x="107" y="239"/>
+                    <a:pt x="107" y="238"/>
+                  </a:cubicBezTo>
+                  <a:cubicBezTo>
+                    <a:pt x="117" y="233"/>
+                    <a:pt x="127" y="226"/>
+                    <a:pt x="134" y="215"/>
+                  </a:cubicBezTo>
+                  <a:cubicBezTo>
+                    <a:pt x="154" y="188"/>
+                    <a:pt x="117" y="163"/>
+                    <a:pt x="85" y="164"/>
+                  </a:cubicBezTo>
+                  <a:cubicBezTo>
+                    <a:pt x="84" y="164"/>
+                    <a:pt x="84" y="164"/>
+                    <a:pt x="83" y="164"/>
+                  </a:cubicBezTo>
+                  <a:cubicBezTo>
+                    <a:pt x="83" y="159"/>
+                    <a:pt x="82" y="155"/>
+                    <a:pt x="81" y="151"/>
+                  </a:cubicBezTo>
+                  <a:cubicBezTo>
+                    <a:pt x="81" y="149"/>
+                    <a:pt x="81" y="148"/>
+                    <a:pt x="80" y="147"/>
+                  </a:cubicBezTo>
+                  <a:cubicBezTo>
+                    <a:pt x="80" y="146"/>
+                    <a:pt x="80" y="144"/>
+                    <a:pt x="80" y="143"/>
+                  </a:cubicBezTo>
+                  <a:cubicBezTo>
+                    <a:pt x="77" y="131"/>
+                    <a:pt x="75" y="119"/>
+                    <a:pt x="72" y="108"/>
+                  </a:cubicBezTo>
+                  <a:cubicBezTo>
+                    <a:pt x="71" y="103"/>
+                    <a:pt x="69" y="97"/>
+                    <a:pt x="67" y="92"/>
+                  </a:cubicBezTo>
+                  <a:cubicBezTo>
+                    <a:pt x="73" y="81"/>
+                    <a:pt x="78" y="71"/>
+                    <a:pt x="81" y="60"/>
+                  </a:cubicBezTo>
+                  <a:cubicBezTo>
+                    <a:pt x="83" y="53"/>
+                    <a:pt x="85" y="46"/>
+                    <a:pt x="85" y="39"/>
+                  </a:cubicBezTo>
+                  <a:cubicBezTo>
+                    <a:pt x="85" y="35"/>
+                    <a:pt x="85" y="32"/>
+                    <a:pt x="85" y="29"/>
+                  </a:cubicBezTo>
+                  <a:cubicBezTo>
+                    <a:pt x="85" y="23"/>
+                    <a:pt x="83" y="17"/>
+                    <a:pt x="81" y="11"/>
+                  </a:cubicBezTo>
+                  <a:close/>
+                  <a:moveTo>
+                    <a:pt x="109" y="225"/>
+                  </a:moveTo>
+                  <a:cubicBezTo>
+                    <a:pt x="107" y="226"/>
+                    <a:pt x="105" y="228"/>
+                    <a:pt x="103" y="228"/>
+                  </a:cubicBezTo>
+                  <a:cubicBezTo>
+                    <a:pt x="101" y="222"/>
+                    <a:pt x="98" y="216"/>
+                    <a:pt x="97" y="213"/>
+                  </a:cubicBezTo>
+                  <a:cubicBezTo>
+                    <a:pt x="92" y="200"/>
+                    <a:pt x="88" y="187"/>
+                    <a:pt x="85" y="174"/>
+                  </a:cubicBezTo>
+                  <a:cubicBezTo>
+                    <a:pt x="115" y="174"/>
+                    <a:pt x="144" y="202"/>
+                    <a:pt x="109" y="225"/>
+                  </a:cubicBezTo>
+                  <a:close/>
+                  <a:moveTo>
+                    <a:pt x="76" y="143"/>
+                  </a:moveTo>
+                  <a:cubicBezTo>
+                    <a:pt x="76" y="144"/>
+                    <a:pt x="76" y="146"/>
+                    <a:pt x="77" y="147"/>
+                  </a:cubicBezTo>
+                  <a:cubicBezTo>
+                    <a:pt x="77" y="148"/>
+                    <a:pt x="77" y="150"/>
+                    <a:pt x="78" y="151"/>
+                  </a:cubicBezTo>
+                  <a:cubicBezTo>
+                    <a:pt x="78" y="155"/>
+                    <a:pt x="79" y="160"/>
+                    <a:pt x="80" y="164"/>
+                  </a:cubicBezTo>
+                  <a:cubicBezTo>
+                    <a:pt x="64" y="165"/>
+                    <a:pt x="50" y="173"/>
+                    <a:pt x="45" y="189"/>
+                  </a:cubicBezTo>
+                  <a:cubicBezTo>
+                    <a:pt x="44" y="192"/>
+                    <a:pt x="49" y="194"/>
+                    <a:pt x="51" y="191"/>
+                  </a:cubicBezTo>
+                  <a:cubicBezTo>
+                    <a:pt x="59" y="180"/>
+                    <a:pt x="70" y="175"/>
+                    <a:pt x="81" y="174"/>
+                  </a:cubicBezTo>
+                  <a:cubicBezTo>
+                    <a:pt x="81" y="174"/>
+                    <a:pt x="82" y="174"/>
+                    <a:pt x="82" y="174"/>
+                  </a:cubicBezTo>
+                  <a:cubicBezTo>
+                    <a:pt x="83" y="180"/>
+                    <a:pt x="84" y="186"/>
+                    <a:pt x="85" y="192"/>
+                  </a:cubicBezTo>
+                  <a:cubicBezTo>
+                    <a:pt x="87" y="199"/>
+                    <a:pt x="88" y="207"/>
+                    <a:pt x="91" y="214"/>
+                  </a:cubicBezTo>
+                  <a:cubicBezTo>
+                    <a:pt x="92" y="220"/>
+                    <a:pt x="94" y="226"/>
+                    <a:pt x="96" y="231"/>
+                  </a:cubicBezTo>
+                  <a:cubicBezTo>
+                    <a:pt x="93" y="232"/>
+                    <a:pt x="89" y="233"/>
+                    <a:pt x="85" y="233"/>
+                  </a:cubicBezTo>
+                  <a:cubicBezTo>
+                    <a:pt x="84" y="233"/>
+                    <a:pt x="82" y="233"/>
+                    <a:pt x="81" y="233"/>
+                  </a:cubicBezTo>
+                  <a:cubicBezTo>
+                    <a:pt x="67" y="233"/>
+                    <a:pt x="52" y="228"/>
+                    <a:pt x="41" y="223"/>
+                  </a:cubicBezTo>
+                  <a:cubicBezTo>
+                    <a:pt x="9" y="206"/>
+                    <a:pt x="24" y="170"/>
+                    <a:pt x="36" y="147"/>
+                  </a:cubicBezTo>
+                  <a:cubicBezTo>
+                    <a:pt x="36" y="146"/>
+                    <a:pt x="36" y="145"/>
+                    <a:pt x="37" y="144"/>
+                  </a:cubicBezTo>
+                  <a:cubicBezTo>
+                    <a:pt x="37" y="144"/>
+                    <a:pt x="37" y="143"/>
+                    <a:pt x="38" y="143"/>
+                  </a:cubicBezTo>
+                  <a:cubicBezTo>
+                    <a:pt x="45" y="130"/>
+                    <a:pt x="54" y="116"/>
+                    <a:pt x="63" y="100"/>
+                  </a:cubicBezTo>
+                  <a:cubicBezTo>
+                    <a:pt x="67" y="114"/>
+                    <a:pt x="72" y="129"/>
+                    <a:pt x="76" y="143"/>
+                  </a:cubicBezTo>
+                  <a:close/>
+                  <a:moveTo>
+                    <a:pt x="76" y="43"/>
+                  </a:moveTo>
+                  <a:cubicBezTo>
+                    <a:pt x="76" y="44"/>
+                    <a:pt x="75" y="46"/>
+                    <a:pt x="75" y="47"/>
+                  </a:cubicBezTo>
+                  <a:cubicBezTo>
+                    <a:pt x="75" y="47"/>
+                    <a:pt x="75" y="48"/>
+                    <a:pt x="75" y="48"/>
+                  </a:cubicBezTo>
+                  <a:cubicBezTo>
+                    <a:pt x="74" y="57"/>
+                    <a:pt x="71" y="66"/>
+                    <a:pt x="68" y="75"/>
+                  </a:cubicBezTo>
+                  <a:cubicBezTo>
+                    <a:pt x="67" y="78"/>
+                    <a:pt x="66" y="81"/>
+                    <a:pt x="65" y="83"/>
+                  </a:cubicBezTo>
+                  <a:cubicBezTo>
+                    <a:pt x="61" y="71"/>
+                    <a:pt x="58" y="59"/>
+                    <a:pt x="57" y="47"/>
+                  </a:cubicBezTo>
+                  <a:cubicBezTo>
+                    <a:pt x="57" y="46"/>
+                    <a:pt x="56" y="44"/>
+                    <a:pt x="56" y="43"/>
+                  </a:cubicBezTo>
+                  <a:cubicBezTo>
+                    <a:pt x="56" y="35"/>
+                    <a:pt x="56" y="27"/>
+                    <a:pt x="57" y="19"/>
+                  </a:cubicBezTo>
+                  <a:cubicBezTo>
+                    <a:pt x="58" y="12"/>
+                    <a:pt x="64" y="13"/>
+                    <a:pt x="77" y="23"/>
+                  </a:cubicBezTo>
+                  <a:cubicBezTo>
+                    <a:pt x="77" y="30"/>
+                    <a:pt x="77" y="36"/>
+                    <a:pt x="76" y="43"/>
+                  </a:cubicBezTo>
+                  <a:close/>
+                </a:path>
+              </a:pathLst>
+            </a:custGeom>
+            <a:solidFill>
+              <a:srgbClr val="F2F2F2"/>
+            </a:solidFill>
+            <a:ln>
+              <a:noFill/>
+            </a:ln>
+            <a:extLst>
+              <a:ext uri="{91240B29-F687-4F45-9708-019B960494DF}">
+                <a14:hiddenLine xmlns:a14="http://schemas.microsoft.com/office/drawing/2010/main" w="9525">
+                  <a:solidFill>
+                    <a:srgbClr val="000000"/>
+                  </a:solidFill>
+                  <a:round/>
+                </a14:hiddenLine>
+              </a:ext>
+            </a:extLst>
+          </p:spPr>
+          <p:txBody>
+            <a:bodyPr vert="horz" wrap="square" lIns="91440" tIns="45720" rIns="91440" bIns="45720" numCol="1" anchor="t" anchorCtr="0" compatLnSpc="1"/>
+            <a:p>
+              <a:endParaRPr lang="zh-CN" altLang="en-US"/>
+            </a:p>
+          </p:txBody>
+        </p:sp>
+        <p:sp>
+          <p:nvSpPr>
+            <p:cNvPr id="105" name="Freeform 6"/>
+            <p:cNvSpPr/>
+            <p:nvPr/>
+          </p:nvSpPr>
+          <p:spPr bwMode="auto">
+            <a:xfrm>
+              <a:off x="735" y="774"/>
+              <a:ext cx="61" cy="52"/>
+            </a:xfrm>
+            <a:custGeom>
+              <a:avLst/>
+              <a:gdLst>
+                <a:gd name="T0" fmla="*/ 25 w 28"/>
+                <a:gd name="T1" fmla="*/ 23 h 24"/>
+                <a:gd name="T2" fmla="*/ 27 w 28"/>
+                <a:gd name="T3" fmla="*/ 21 h 24"/>
+                <a:gd name="T4" fmla="*/ 3 w 28"/>
+                <a:gd name="T5" fmla="*/ 1 h 24"/>
+                <a:gd name="T6" fmla="*/ 2 w 28"/>
+                <a:gd name="T7" fmla="*/ 4 h 24"/>
+                <a:gd name="T8" fmla="*/ 25 w 28"/>
+                <a:gd name="T9" fmla="*/ 23 h 24"/>
+              </a:gdLst>
+              <a:ahLst/>
+              <a:cxnLst>
+                <a:cxn ang="0">
+                  <a:pos x="T0" y="T1"/>
+                </a:cxn>
+                <a:cxn ang="0">
+                  <a:pos x="T2" y="T3"/>
+                </a:cxn>
+                <a:cxn ang="0">
+                  <a:pos x="T4" y="T5"/>
+                </a:cxn>
+                <a:cxn ang="0">
+                  <a:pos x="T6" y="T7"/>
+                </a:cxn>
+                <a:cxn ang="0">
+                  <a:pos x="T8" y="T9"/>
+                </a:cxn>
+              </a:cxnLst>
+              <a:rect l="0" t="0" r="r" b="b"/>
+              <a:pathLst>
+                <a:path w="28" h="24">
+                  <a:moveTo>
+                    <a:pt x="25" y="23"/>
+                  </a:moveTo>
+                  <a:cubicBezTo>
+                    <a:pt x="26" y="24"/>
+                    <a:pt x="28" y="23"/>
+                    <a:pt x="27" y="21"/>
+                  </a:cubicBezTo>
+                  <a:cubicBezTo>
+                    <a:pt x="24" y="10"/>
+                    <a:pt x="13" y="4"/>
+                    <a:pt x="3" y="1"/>
+                  </a:cubicBezTo>
+                  <a:cubicBezTo>
+                    <a:pt x="1" y="0"/>
+                    <a:pt x="0" y="3"/>
+                    <a:pt x="2" y="4"/>
+                  </a:cubicBezTo>
+                  <a:cubicBezTo>
+                    <a:pt x="10" y="10"/>
+                    <a:pt x="17" y="17"/>
+                    <a:pt x="25" y="23"/>
+                  </a:cubicBezTo>
+                  <a:close/>
+                </a:path>
+              </a:pathLst>
+            </a:custGeom>
+            <a:solidFill>
+              <a:srgbClr val="F2F2F2"/>
+            </a:solidFill>
+            <a:ln>
+              <a:noFill/>
+            </a:ln>
+            <a:extLst>
+              <a:ext uri="{91240B29-F687-4F45-9708-019B960494DF}">
+                <a14:hiddenLine xmlns:a14="http://schemas.microsoft.com/office/drawing/2010/main" w="9525">
+                  <a:solidFill>
+                    <a:srgbClr val="000000"/>
+                  </a:solidFill>
+                  <a:round/>
+                </a14:hiddenLine>
+              </a:ext>
+            </a:extLst>
+          </p:spPr>
+          <p:txBody>
+            <a:bodyPr vert="horz" wrap="square" lIns="91440" tIns="45720" rIns="91440" bIns="45720" numCol="1" anchor="t" anchorCtr="0" compatLnSpc="1"/>
+            <a:p>
+              <a:endParaRPr lang="zh-CN" altLang="en-US"/>
+            </a:p>
+          </p:txBody>
+        </p:sp>
+        <p:sp>
+          <p:nvSpPr>
+            <p:cNvPr id="106" name="Freeform 7"/>
+            <p:cNvSpPr/>
+            <p:nvPr/>
+          </p:nvSpPr>
+          <p:spPr bwMode="auto">
+            <a:xfrm>
+              <a:off x="759" y="748"/>
+              <a:ext cx="76" cy="50"/>
+            </a:xfrm>
+            <a:custGeom>
+              <a:avLst/>
+              <a:gdLst>
+                <a:gd name="T0" fmla="*/ 3 w 35"/>
+                <a:gd name="T1" fmla="*/ 1 h 23"/>
+                <a:gd name="T2" fmla="*/ 3 w 35"/>
+                <a:gd name="T3" fmla="*/ 5 h 23"/>
+                <a:gd name="T4" fmla="*/ 17 w 35"/>
+                <a:gd name="T5" fmla="*/ 11 h 23"/>
+                <a:gd name="T6" fmla="*/ 31 w 35"/>
+                <a:gd name="T7" fmla="*/ 22 h 23"/>
+                <a:gd name="T8" fmla="*/ 34 w 35"/>
+                <a:gd name="T9" fmla="*/ 20 h 23"/>
+                <a:gd name="T10" fmla="*/ 3 w 35"/>
+                <a:gd name="T11" fmla="*/ 1 h 23"/>
+              </a:gdLst>
+              <a:ahLst/>
+              <a:cxnLst>
+                <a:cxn ang="0">
+                  <a:pos x="T0" y="T1"/>
+                </a:cxn>
+                <a:cxn ang="0">
+                  <a:pos x="T2" y="T3"/>
+                </a:cxn>
+                <a:cxn ang="0">
+                  <a:pos x="T4" y="T5"/>
+                </a:cxn>
+                <a:cxn ang="0">
+                  <a:pos x="T6" y="T7"/>
+                </a:cxn>
+                <a:cxn ang="0">
+                  <a:pos x="T8" y="T9"/>
+                </a:cxn>
+                <a:cxn ang="0">
+                  <a:pos x="T10" y="T11"/>
+                </a:cxn>
+              </a:cxnLst>
+              <a:rect l="0" t="0" r="r" b="b"/>
+              <a:pathLst>
+                <a:path w="35" h="23">
+                  <a:moveTo>
+                    <a:pt x="3" y="1"/>
+                  </a:moveTo>
+                  <a:cubicBezTo>
+                    <a:pt x="1" y="1"/>
+                    <a:pt x="0" y="4"/>
+                    <a:pt x="3" y="5"/>
+                  </a:cubicBezTo>
+                  <a:cubicBezTo>
+                    <a:pt x="8" y="6"/>
+                    <a:pt x="13" y="8"/>
+                    <a:pt x="17" y="11"/>
+                  </a:cubicBezTo>
+                  <a:cubicBezTo>
+                    <a:pt x="22" y="15"/>
+                    <a:pt x="26" y="19"/>
+                    <a:pt x="31" y="22"/>
+                  </a:cubicBezTo>
+                  <a:cubicBezTo>
+                    <a:pt x="33" y="23"/>
+                    <a:pt x="35" y="22"/>
+                    <a:pt x="34" y="20"/>
+                  </a:cubicBezTo>
+                  <a:cubicBezTo>
+                    <a:pt x="30" y="8"/>
+                    <a:pt x="16" y="0"/>
+                    <a:pt x="3" y="1"/>
+                  </a:cubicBezTo>
+                  <a:close/>
+                </a:path>
+              </a:pathLst>
+            </a:custGeom>
+            <a:solidFill>
+              <a:srgbClr val="F2F2F2"/>
+            </a:solidFill>
+            <a:ln>
+              <a:noFill/>
+            </a:ln>
+            <a:extLst>
+              <a:ext uri="{91240B29-F687-4F45-9708-019B960494DF}">
+                <a14:hiddenLine xmlns:a14="http://schemas.microsoft.com/office/drawing/2010/main" w="9525">
+                  <a:solidFill>
+                    <a:srgbClr val="000000"/>
+                  </a:solidFill>
+                  <a:round/>
+                </a14:hiddenLine>
+              </a:ext>
+            </a:extLst>
+          </p:spPr>
+          <p:txBody>
+            <a:bodyPr vert="horz" wrap="square" lIns="91440" tIns="45720" rIns="91440" bIns="45720" numCol="1" anchor="t" anchorCtr="0" compatLnSpc="1"/>
+            <a:p>
+              <a:endParaRPr lang="zh-CN" altLang="en-US"/>
+            </a:p>
+          </p:txBody>
+        </p:sp>
+      </p:grpSp>
+      <p:pic>
+        <p:nvPicPr>
+          <p:cNvPr id="4" name="图片 3"/>
+          <p:cNvPicPr>
+            <a:picLocks noChangeAspect="1"/>
+          </p:cNvPicPr>
+          <p:nvPr>
+            <p:custDataLst>
+              <p:tags r:id="rId1"/>
+            </p:custDataLst>
+          </p:nvPr>
+        </p:nvPicPr>
+        <p:blipFill>
+          <a:blip r:embed="rId2"/>
+          <a:stretch>
+            <a:fillRect/>
+          </a:stretch>
+        </p:blipFill>
+        <p:spPr>
+          <a:xfrm>
+            <a:off x="3303270" y="1649730"/>
+            <a:ext cx="5585460" cy="3558540"/>
+          </a:xfrm>
+          <a:prstGeom prst="rect">
+            <a:avLst/>
+          </a:prstGeom>
+        </p:spPr>
+      </p:pic>
+    </p:spTree>
+  </p:cSld>
+  <p:clrMapOvr>
+    <a:masterClrMapping/>
+  </p:clrMapOvr>
+</p:sld>
+</file>
+
+<file path=ppt/tags/tag1.xml><?xml version="1.0" encoding="utf-8"?>
+<p:tagLst xmlns:p="http://schemas.openxmlformats.org/presentationml/2006/main">
+  <p:tag name="KSO_WM_UNIT_PLACING_PICTURE_USER_VIEWPORT" val="{&quot;height&quot;:5604,&quot;width&quot;:8796}"/>
+</p:tagLst>
 </file>
 
 <file path=ppt/theme/theme1.xml><?xml version="1.0" encoding="utf-8"?>

--- a/正则表达式/ppt.pptx
+++ b/正则表达式/ppt.pptx
@@ -5,7 +5,7 @@
     <p:sldMasterId id="2147483648" r:id="rId1"/>
   </p:sldMasterIdLst>
   <p:notesMasterIdLst>
-    <p:notesMasterId r:id="rId9"/>
+    <p:notesMasterId r:id="rId10"/>
   </p:notesMasterIdLst>
   <p:sldIdLst>
     <p:sldId id="323" r:id="rId3"/>
@@ -14,6 +14,7 @@
     <p:sldId id="447" r:id="rId6"/>
     <p:sldId id="448" r:id="rId7"/>
     <p:sldId id="450" r:id="rId8"/>
+    <p:sldId id="451" r:id="rId9"/>
   </p:sldIdLst>
   <p:sldSz cx="12192000" cy="6858000"/>
   <p:notesSz cx="6858000" cy="9144000"/>
@@ -9578,6 +9579,1785 @@
           </a:prstGeom>
         </p:spPr>
       </p:pic>
+      <p:sp>
+        <p:nvSpPr>
+          <p:cNvPr id="2" name="Rectangle 47"/>
+          <p:cNvSpPr/>
+          <p:nvPr/>
+        </p:nvSpPr>
+        <p:spPr>
+          <a:xfrm>
+            <a:off x="1303452" y="745385"/>
+            <a:ext cx="1021715" cy="492125"/>
+          </a:xfrm>
+          <a:prstGeom prst="rect">
+            <a:avLst/>
+          </a:prstGeom>
+        </p:spPr>
+        <p:txBody>
+          <a:bodyPr wrap="none" lIns="0" tIns="0" rIns="0" bIns="0">
+            <a:spAutoFit/>
+          </a:bodyPr>
+          <a:p>
+            <a:pPr algn="l"/>
+            <a:r>
+              <a:rPr lang="zh-CN" altLang="en-US" sz="3200" b="1" dirty="0" smtClean="0">
+                <a:solidFill>
+                  <a:schemeClr val="bg1"/>
+                </a:solidFill>
+                <a:latin typeface="方正静蕾简体" pitchFamily="2" charset="-122"/>
+                <a:ea typeface="方正静蕾简体" pitchFamily="2" charset="-122"/>
+                <a:cs typeface="Arial" panose="020B0604020202020204" pitchFamily="34" charset="0"/>
+              </a:rPr>
+              <a:t> 前瞻</a:t>
+            </a:r>
+            <a:endParaRPr lang="zh-CN" altLang="en-US" sz="3200" b="1" dirty="0" smtClean="0">
+              <a:solidFill>
+                <a:schemeClr val="bg1"/>
+              </a:solidFill>
+              <a:latin typeface="方正静蕾简体" pitchFamily="2" charset="-122"/>
+              <a:ea typeface="方正静蕾简体" pitchFamily="2" charset="-122"/>
+              <a:cs typeface="Arial" panose="020B0604020202020204" pitchFamily="34" charset="0"/>
+            </a:endParaRPr>
+          </a:p>
+        </p:txBody>
+      </p:sp>
+      <p:grpSp>
+        <p:nvGrpSpPr>
+          <p:cNvPr id="3" name="Group 4"/>
+          <p:cNvGrpSpPr>
+            <a:grpSpLocks noChangeAspect="1"/>
+          </p:cNvGrpSpPr>
+          <p:nvPr/>
+        </p:nvGrpSpPr>
+        <p:grpSpPr bwMode="auto">
+          <a:xfrm rot="891772">
+            <a:off x="536752" y="536938"/>
+            <a:ext cx="507974" cy="919389"/>
+            <a:chOff x="472" y="425"/>
+            <a:chExt cx="363" cy="657"/>
+          </a:xfrm>
+        </p:grpSpPr>
+        <p:sp>
+          <p:nvSpPr>
+            <p:cNvPr id="5" name="Freeform 5"/>
+            <p:cNvSpPr>
+              <a:spLocks noEditPoints="1"/>
+            </p:cNvSpPr>
+            <p:nvPr/>
+          </p:nvSpPr>
+          <p:spPr bwMode="auto">
+            <a:xfrm>
+              <a:off x="472" y="425"/>
+              <a:ext cx="335" cy="657"/>
+            </a:xfrm>
+            <a:custGeom>
+              <a:avLst/>
+              <a:gdLst>
+                <a:gd name="T0" fmla="*/ 81 w 154"/>
+                <a:gd name="T1" fmla="*/ 9 h 305"/>
+                <a:gd name="T2" fmla="*/ 48 w 154"/>
+                <a:gd name="T3" fmla="*/ 43 h 305"/>
+                <a:gd name="T4" fmla="*/ 49 w 154"/>
+                <a:gd name="T5" fmla="*/ 47 h 305"/>
+                <a:gd name="T6" fmla="*/ 30 w 154"/>
+                <a:gd name="T7" fmla="*/ 143 h 305"/>
+                <a:gd name="T8" fmla="*/ 21 w 154"/>
+                <a:gd name="T9" fmla="*/ 158 h 305"/>
+                <a:gd name="T10" fmla="*/ 88 w 154"/>
+                <a:gd name="T11" fmla="*/ 243 h 305"/>
+                <a:gd name="T12" fmla="*/ 101 w 154"/>
+                <a:gd name="T13" fmla="*/ 243 h 305"/>
+                <a:gd name="T14" fmla="*/ 91 w 154"/>
+                <a:gd name="T15" fmla="*/ 285 h 305"/>
+                <a:gd name="T16" fmla="*/ 85 w 154"/>
+                <a:gd name="T17" fmla="*/ 275 h 305"/>
+                <a:gd name="T18" fmla="*/ 81 w 154"/>
+                <a:gd name="T19" fmla="*/ 278 h 305"/>
+                <a:gd name="T20" fmla="*/ 85 w 154"/>
+                <a:gd name="T21" fmla="*/ 303 h 305"/>
+                <a:gd name="T22" fmla="*/ 110 w 154"/>
+                <a:gd name="T23" fmla="*/ 247 h 305"/>
+                <a:gd name="T24" fmla="*/ 107 w 154"/>
+                <a:gd name="T25" fmla="*/ 238 h 305"/>
+                <a:gd name="T26" fmla="*/ 85 w 154"/>
+                <a:gd name="T27" fmla="*/ 164 h 305"/>
+                <a:gd name="T28" fmla="*/ 81 w 154"/>
+                <a:gd name="T29" fmla="*/ 151 h 305"/>
+                <a:gd name="T30" fmla="*/ 80 w 154"/>
+                <a:gd name="T31" fmla="*/ 143 h 305"/>
+                <a:gd name="T32" fmla="*/ 67 w 154"/>
+                <a:gd name="T33" fmla="*/ 92 h 305"/>
+                <a:gd name="T34" fmla="*/ 85 w 154"/>
+                <a:gd name="T35" fmla="*/ 39 h 305"/>
+                <a:gd name="T36" fmla="*/ 81 w 154"/>
+                <a:gd name="T37" fmla="*/ 11 h 305"/>
+                <a:gd name="T38" fmla="*/ 103 w 154"/>
+                <a:gd name="T39" fmla="*/ 228 h 305"/>
+                <a:gd name="T40" fmla="*/ 85 w 154"/>
+                <a:gd name="T41" fmla="*/ 174 h 305"/>
+                <a:gd name="T42" fmla="*/ 76 w 154"/>
+                <a:gd name="T43" fmla="*/ 143 h 305"/>
+                <a:gd name="T44" fmla="*/ 78 w 154"/>
+                <a:gd name="T45" fmla="*/ 151 h 305"/>
+                <a:gd name="T46" fmla="*/ 45 w 154"/>
+                <a:gd name="T47" fmla="*/ 189 h 305"/>
+                <a:gd name="T48" fmla="*/ 81 w 154"/>
+                <a:gd name="T49" fmla="*/ 174 h 305"/>
+                <a:gd name="T50" fmla="*/ 85 w 154"/>
+                <a:gd name="T51" fmla="*/ 192 h 305"/>
+                <a:gd name="T52" fmla="*/ 96 w 154"/>
+                <a:gd name="T53" fmla="*/ 231 h 305"/>
+                <a:gd name="T54" fmla="*/ 81 w 154"/>
+                <a:gd name="T55" fmla="*/ 233 h 305"/>
+                <a:gd name="T56" fmla="*/ 36 w 154"/>
+                <a:gd name="T57" fmla="*/ 147 h 305"/>
+                <a:gd name="T58" fmla="*/ 38 w 154"/>
+                <a:gd name="T59" fmla="*/ 143 h 305"/>
+                <a:gd name="T60" fmla="*/ 76 w 154"/>
+                <a:gd name="T61" fmla="*/ 143 h 305"/>
+                <a:gd name="T62" fmla="*/ 75 w 154"/>
+                <a:gd name="T63" fmla="*/ 47 h 305"/>
+                <a:gd name="T64" fmla="*/ 68 w 154"/>
+                <a:gd name="T65" fmla="*/ 75 h 305"/>
+                <a:gd name="T66" fmla="*/ 57 w 154"/>
+                <a:gd name="T67" fmla="*/ 47 h 305"/>
+                <a:gd name="T68" fmla="*/ 57 w 154"/>
+                <a:gd name="T69" fmla="*/ 19 h 305"/>
+                <a:gd name="T70" fmla="*/ 76 w 154"/>
+                <a:gd name="T71" fmla="*/ 43 h 305"/>
+              </a:gdLst>
+              <a:ahLst/>
+              <a:cxnLst>
+                <a:cxn ang="0">
+                  <a:pos x="T0" y="T1"/>
+                </a:cxn>
+                <a:cxn ang="0">
+                  <a:pos x="T2" y="T3"/>
+                </a:cxn>
+                <a:cxn ang="0">
+                  <a:pos x="T4" y="T5"/>
+                </a:cxn>
+                <a:cxn ang="0">
+                  <a:pos x="T6" y="T7"/>
+                </a:cxn>
+                <a:cxn ang="0">
+                  <a:pos x="T8" y="T9"/>
+                </a:cxn>
+                <a:cxn ang="0">
+                  <a:pos x="T10" y="T11"/>
+                </a:cxn>
+                <a:cxn ang="0">
+                  <a:pos x="T12" y="T13"/>
+                </a:cxn>
+                <a:cxn ang="0">
+                  <a:pos x="T14" y="T15"/>
+                </a:cxn>
+                <a:cxn ang="0">
+                  <a:pos x="T16" y="T17"/>
+                </a:cxn>
+                <a:cxn ang="0">
+                  <a:pos x="T18" y="T19"/>
+                </a:cxn>
+                <a:cxn ang="0">
+                  <a:pos x="T20" y="T21"/>
+                </a:cxn>
+                <a:cxn ang="0">
+                  <a:pos x="T22" y="T23"/>
+                </a:cxn>
+                <a:cxn ang="0">
+                  <a:pos x="T24" y="T25"/>
+                </a:cxn>
+                <a:cxn ang="0">
+                  <a:pos x="T26" y="T27"/>
+                </a:cxn>
+                <a:cxn ang="0">
+                  <a:pos x="T28" y="T29"/>
+                </a:cxn>
+                <a:cxn ang="0">
+                  <a:pos x="T30" y="T31"/>
+                </a:cxn>
+                <a:cxn ang="0">
+                  <a:pos x="T32" y="T33"/>
+                </a:cxn>
+                <a:cxn ang="0">
+                  <a:pos x="T34" y="T35"/>
+                </a:cxn>
+                <a:cxn ang="0">
+                  <a:pos x="T36" y="T37"/>
+                </a:cxn>
+                <a:cxn ang="0">
+                  <a:pos x="T38" y="T39"/>
+                </a:cxn>
+                <a:cxn ang="0">
+                  <a:pos x="T40" y="T41"/>
+                </a:cxn>
+                <a:cxn ang="0">
+                  <a:pos x="T42" y="T43"/>
+                </a:cxn>
+                <a:cxn ang="0">
+                  <a:pos x="T44" y="T45"/>
+                </a:cxn>
+                <a:cxn ang="0">
+                  <a:pos x="T46" y="T47"/>
+                </a:cxn>
+                <a:cxn ang="0">
+                  <a:pos x="T48" y="T49"/>
+                </a:cxn>
+                <a:cxn ang="0">
+                  <a:pos x="T50" y="T51"/>
+                </a:cxn>
+                <a:cxn ang="0">
+                  <a:pos x="T52" y="T53"/>
+                </a:cxn>
+                <a:cxn ang="0">
+                  <a:pos x="T54" y="T55"/>
+                </a:cxn>
+                <a:cxn ang="0">
+                  <a:pos x="T56" y="T57"/>
+                </a:cxn>
+                <a:cxn ang="0">
+                  <a:pos x="T58" y="T59"/>
+                </a:cxn>
+                <a:cxn ang="0">
+                  <a:pos x="T60" y="T61"/>
+                </a:cxn>
+                <a:cxn ang="0">
+                  <a:pos x="T62" y="T63"/>
+                </a:cxn>
+                <a:cxn ang="0">
+                  <a:pos x="T64" y="T65"/>
+                </a:cxn>
+                <a:cxn ang="0">
+                  <a:pos x="T66" y="T67"/>
+                </a:cxn>
+                <a:cxn ang="0">
+                  <a:pos x="T68" y="T69"/>
+                </a:cxn>
+                <a:cxn ang="0">
+                  <a:pos x="T70" y="T71"/>
+                </a:cxn>
+              </a:cxnLst>
+              <a:rect l="0" t="0" r="r" b="b"/>
+              <a:pathLst>
+                <a:path w="154" h="305">
+                  <a:moveTo>
+                    <a:pt x="81" y="11"/>
+                  </a:moveTo>
+                  <a:cubicBezTo>
+                    <a:pt x="81" y="10"/>
+                    <a:pt x="81" y="10"/>
+                    <a:pt x="81" y="9"/>
+                  </a:cubicBezTo>
+                  <a:cubicBezTo>
+                    <a:pt x="78" y="2"/>
+                    <a:pt x="64" y="0"/>
+                    <a:pt x="58" y="4"/>
+                  </a:cubicBezTo>
+                  <a:cubicBezTo>
+                    <a:pt x="48" y="10"/>
+                    <a:pt x="47" y="33"/>
+                    <a:pt x="48" y="43"/>
+                  </a:cubicBezTo>
+                  <a:cubicBezTo>
+                    <a:pt x="48" y="43"/>
+                    <a:pt x="48" y="43"/>
+                    <a:pt x="48" y="43"/>
+                  </a:cubicBezTo>
+                  <a:cubicBezTo>
+                    <a:pt x="48" y="44"/>
+                    <a:pt x="48" y="46"/>
+                    <a:pt x="49" y="47"/>
+                  </a:cubicBezTo>
+                  <a:cubicBezTo>
+                    <a:pt x="51" y="63"/>
+                    <a:pt x="56" y="78"/>
+                    <a:pt x="61" y="93"/>
+                  </a:cubicBezTo>
+                  <a:cubicBezTo>
+                    <a:pt x="52" y="110"/>
+                    <a:pt x="39" y="126"/>
+                    <a:pt x="30" y="143"/>
+                  </a:cubicBezTo>
+                  <a:cubicBezTo>
+                    <a:pt x="29" y="144"/>
+                    <a:pt x="28" y="146"/>
+                    <a:pt x="27" y="147"/>
+                  </a:cubicBezTo>
+                  <a:cubicBezTo>
+                    <a:pt x="25" y="151"/>
+                    <a:pt x="23" y="154"/>
+                    <a:pt x="21" y="158"/>
+                  </a:cubicBezTo>
+                  <a:cubicBezTo>
+                    <a:pt x="0" y="205"/>
+                    <a:pt x="32" y="238"/>
+                    <a:pt x="69" y="243"/>
+                  </a:cubicBezTo>
+                  <a:cubicBezTo>
+                    <a:pt x="75" y="244"/>
+                    <a:pt x="82" y="244"/>
+                    <a:pt x="88" y="243"/>
+                  </a:cubicBezTo>
+                  <a:cubicBezTo>
+                    <a:pt x="92" y="242"/>
+                    <a:pt x="96" y="242"/>
+                    <a:pt x="100" y="240"/>
+                  </a:cubicBezTo>
+                  <a:cubicBezTo>
+                    <a:pt x="100" y="241"/>
+                    <a:pt x="100" y="242"/>
+                    <a:pt x="101" y="243"/>
+                  </a:cubicBezTo>
+                  <a:cubicBezTo>
+                    <a:pt x="101" y="244"/>
+                    <a:pt x="101" y="246"/>
+                    <a:pt x="102" y="247"/>
+                  </a:cubicBezTo>
+                  <a:cubicBezTo>
+                    <a:pt x="104" y="258"/>
+                    <a:pt x="103" y="270"/>
+                    <a:pt x="91" y="285"/>
+                  </a:cubicBezTo>
+                  <a:cubicBezTo>
+                    <a:pt x="91" y="284"/>
+                    <a:pt x="91" y="284"/>
+                    <a:pt x="91" y="284"/>
+                  </a:cubicBezTo>
+                  <a:cubicBezTo>
+                    <a:pt x="92" y="280"/>
+                    <a:pt x="89" y="276"/>
+                    <a:pt x="85" y="275"/>
+                  </a:cubicBezTo>
+                  <a:cubicBezTo>
+                    <a:pt x="84" y="275"/>
+                    <a:pt x="82" y="276"/>
+                    <a:pt x="81" y="277"/>
+                  </a:cubicBezTo>
+                  <a:cubicBezTo>
+                    <a:pt x="81" y="277"/>
+                    <a:pt x="81" y="277"/>
+                    <a:pt x="81" y="278"/>
+                  </a:cubicBezTo>
+                  <a:cubicBezTo>
+                    <a:pt x="74" y="285"/>
+                    <a:pt x="75" y="295"/>
+                    <a:pt x="81" y="300"/>
+                  </a:cubicBezTo>
+                  <a:cubicBezTo>
+                    <a:pt x="82" y="301"/>
+                    <a:pt x="84" y="302"/>
+                    <a:pt x="85" y="303"/>
+                  </a:cubicBezTo>
+                  <a:cubicBezTo>
+                    <a:pt x="88" y="304"/>
+                    <a:pt x="92" y="305"/>
+                    <a:pt x="97" y="304"/>
+                  </a:cubicBezTo>
+                  <a:cubicBezTo>
+                    <a:pt x="120" y="297"/>
+                    <a:pt x="117" y="271"/>
+                    <a:pt x="110" y="247"/>
+                  </a:cubicBezTo>
+                  <a:cubicBezTo>
+                    <a:pt x="109" y="246"/>
+                    <a:pt x="109" y="244"/>
+                    <a:pt x="109" y="243"/>
+                  </a:cubicBezTo>
+                  <a:cubicBezTo>
+                    <a:pt x="108" y="241"/>
+                    <a:pt x="107" y="239"/>
+                    <a:pt x="107" y="238"/>
+                  </a:cubicBezTo>
+                  <a:cubicBezTo>
+                    <a:pt x="117" y="233"/>
+                    <a:pt x="127" y="226"/>
+                    <a:pt x="134" y="215"/>
+                  </a:cubicBezTo>
+                  <a:cubicBezTo>
+                    <a:pt x="154" y="188"/>
+                    <a:pt x="117" y="163"/>
+                    <a:pt x="85" y="164"/>
+                  </a:cubicBezTo>
+                  <a:cubicBezTo>
+                    <a:pt x="84" y="164"/>
+                    <a:pt x="84" y="164"/>
+                    <a:pt x="83" y="164"/>
+                  </a:cubicBezTo>
+                  <a:cubicBezTo>
+                    <a:pt x="83" y="159"/>
+                    <a:pt x="82" y="155"/>
+                    <a:pt x="81" y="151"/>
+                  </a:cubicBezTo>
+                  <a:cubicBezTo>
+                    <a:pt x="81" y="149"/>
+                    <a:pt x="81" y="148"/>
+                    <a:pt x="80" y="147"/>
+                  </a:cubicBezTo>
+                  <a:cubicBezTo>
+                    <a:pt x="80" y="146"/>
+                    <a:pt x="80" y="144"/>
+                    <a:pt x="80" y="143"/>
+                  </a:cubicBezTo>
+                  <a:cubicBezTo>
+                    <a:pt x="77" y="131"/>
+                    <a:pt x="75" y="119"/>
+                    <a:pt x="72" y="108"/>
+                  </a:cubicBezTo>
+                  <a:cubicBezTo>
+                    <a:pt x="71" y="103"/>
+                    <a:pt x="69" y="97"/>
+                    <a:pt x="67" y="92"/>
+                  </a:cubicBezTo>
+                  <a:cubicBezTo>
+                    <a:pt x="73" y="81"/>
+                    <a:pt x="78" y="71"/>
+                    <a:pt x="81" y="60"/>
+                  </a:cubicBezTo>
+                  <a:cubicBezTo>
+                    <a:pt x="83" y="53"/>
+                    <a:pt x="85" y="46"/>
+                    <a:pt x="85" y="39"/>
+                  </a:cubicBezTo>
+                  <a:cubicBezTo>
+                    <a:pt x="85" y="35"/>
+                    <a:pt x="85" y="32"/>
+                    <a:pt x="85" y="29"/>
+                  </a:cubicBezTo>
+                  <a:cubicBezTo>
+                    <a:pt x="85" y="23"/>
+                    <a:pt x="83" y="17"/>
+                    <a:pt x="81" y="11"/>
+                  </a:cubicBezTo>
+                  <a:close/>
+                  <a:moveTo>
+                    <a:pt x="109" y="225"/>
+                  </a:moveTo>
+                  <a:cubicBezTo>
+                    <a:pt x="107" y="226"/>
+                    <a:pt x="105" y="228"/>
+                    <a:pt x="103" y="228"/>
+                  </a:cubicBezTo>
+                  <a:cubicBezTo>
+                    <a:pt x="101" y="222"/>
+                    <a:pt x="98" y="216"/>
+                    <a:pt x="97" y="213"/>
+                  </a:cubicBezTo>
+                  <a:cubicBezTo>
+                    <a:pt x="92" y="200"/>
+                    <a:pt x="88" y="187"/>
+                    <a:pt x="85" y="174"/>
+                  </a:cubicBezTo>
+                  <a:cubicBezTo>
+                    <a:pt x="115" y="174"/>
+                    <a:pt x="144" y="202"/>
+                    <a:pt x="109" y="225"/>
+                  </a:cubicBezTo>
+                  <a:close/>
+                  <a:moveTo>
+                    <a:pt x="76" y="143"/>
+                  </a:moveTo>
+                  <a:cubicBezTo>
+                    <a:pt x="76" y="144"/>
+                    <a:pt x="76" y="146"/>
+                    <a:pt x="77" y="147"/>
+                  </a:cubicBezTo>
+                  <a:cubicBezTo>
+                    <a:pt x="77" y="148"/>
+                    <a:pt x="77" y="150"/>
+                    <a:pt x="78" y="151"/>
+                  </a:cubicBezTo>
+                  <a:cubicBezTo>
+                    <a:pt x="78" y="155"/>
+                    <a:pt x="79" y="160"/>
+                    <a:pt x="80" y="164"/>
+                  </a:cubicBezTo>
+                  <a:cubicBezTo>
+                    <a:pt x="64" y="165"/>
+                    <a:pt x="50" y="173"/>
+                    <a:pt x="45" y="189"/>
+                  </a:cubicBezTo>
+                  <a:cubicBezTo>
+                    <a:pt x="44" y="192"/>
+                    <a:pt x="49" y="194"/>
+                    <a:pt x="51" y="191"/>
+                  </a:cubicBezTo>
+                  <a:cubicBezTo>
+                    <a:pt x="59" y="180"/>
+                    <a:pt x="70" y="175"/>
+                    <a:pt x="81" y="174"/>
+                  </a:cubicBezTo>
+                  <a:cubicBezTo>
+                    <a:pt x="81" y="174"/>
+                    <a:pt x="82" y="174"/>
+                    <a:pt x="82" y="174"/>
+                  </a:cubicBezTo>
+                  <a:cubicBezTo>
+                    <a:pt x="83" y="180"/>
+                    <a:pt x="84" y="186"/>
+                    <a:pt x="85" y="192"/>
+                  </a:cubicBezTo>
+                  <a:cubicBezTo>
+                    <a:pt x="87" y="199"/>
+                    <a:pt x="88" y="207"/>
+                    <a:pt x="91" y="214"/>
+                  </a:cubicBezTo>
+                  <a:cubicBezTo>
+                    <a:pt x="92" y="220"/>
+                    <a:pt x="94" y="226"/>
+                    <a:pt x="96" y="231"/>
+                  </a:cubicBezTo>
+                  <a:cubicBezTo>
+                    <a:pt x="93" y="232"/>
+                    <a:pt x="89" y="233"/>
+                    <a:pt x="85" y="233"/>
+                  </a:cubicBezTo>
+                  <a:cubicBezTo>
+                    <a:pt x="84" y="233"/>
+                    <a:pt x="82" y="233"/>
+                    <a:pt x="81" y="233"/>
+                  </a:cubicBezTo>
+                  <a:cubicBezTo>
+                    <a:pt x="67" y="233"/>
+                    <a:pt x="52" y="228"/>
+                    <a:pt x="41" y="223"/>
+                  </a:cubicBezTo>
+                  <a:cubicBezTo>
+                    <a:pt x="9" y="206"/>
+                    <a:pt x="24" y="170"/>
+                    <a:pt x="36" y="147"/>
+                  </a:cubicBezTo>
+                  <a:cubicBezTo>
+                    <a:pt x="36" y="146"/>
+                    <a:pt x="36" y="145"/>
+                    <a:pt x="37" y="144"/>
+                  </a:cubicBezTo>
+                  <a:cubicBezTo>
+                    <a:pt x="37" y="144"/>
+                    <a:pt x="37" y="143"/>
+                    <a:pt x="38" y="143"/>
+                  </a:cubicBezTo>
+                  <a:cubicBezTo>
+                    <a:pt x="45" y="130"/>
+                    <a:pt x="54" y="116"/>
+                    <a:pt x="63" y="100"/>
+                  </a:cubicBezTo>
+                  <a:cubicBezTo>
+                    <a:pt x="67" y="114"/>
+                    <a:pt x="72" y="129"/>
+                    <a:pt x="76" y="143"/>
+                  </a:cubicBezTo>
+                  <a:close/>
+                  <a:moveTo>
+                    <a:pt x="76" y="43"/>
+                  </a:moveTo>
+                  <a:cubicBezTo>
+                    <a:pt x="76" y="44"/>
+                    <a:pt x="75" y="46"/>
+                    <a:pt x="75" y="47"/>
+                  </a:cubicBezTo>
+                  <a:cubicBezTo>
+                    <a:pt x="75" y="47"/>
+                    <a:pt x="75" y="48"/>
+                    <a:pt x="75" y="48"/>
+                  </a:cubicBezTo>
+                  <a:cubicBezTo>
+                    <a:pt x="74" y="57"/>
+                    <a:pt x="71" y="66"/>
+                    <a:pt x="68" y="75"/>
+                  </a:cubicBezTo>
+                  <a:cubicBezTo>
+                    <a:pt x="67" y="78"/>
+                    <a:pt x="66" y="81"/>
+                    <a:pt x="65" y="83"/>
+                  </a:cubicBezTo>
+                  <a:cubicBezTo>
+                    <a:pt x="61" y="71"/>
+                    <a:pt x="58" y="59"/>
+                    <a:pt x="57" y="47"/>
+                  </a:cubicBezTo>
+                  <a:cubicBezTo>
+                    <a:pt x="57" y="46"/>
+                    <a:pt x="56" y="44"/>
+                    <a:pt x="56" y="43"/>
+                  </a:cubicBezTo>
+                  <a:cubicBezTo>
+                    <a:pt x="56" y="35"/>
+                    <a:pt x="56" y="27"/>
+                    <a:pt x="57" y="19"/>
+                  </a:cubicBezTo>
+                  <a:cubicBezTo>
+                    <a:pt x="58" y="12"/>
+                    <a:pt x="64" y="13"/>
+                    <a:pt x="77" y="23"/>
+                  </a:cubicBezTo>
+                  <a:cubicBezTo>
+                    <a:pt x="77" y="30"/>
+                    <a:pt x="77" y="36"/>
+                    <a:pt x="76" y="43"/>
+                  </a:cubicBezTo>
+                  <a:close/>
+                </a:path>
+              </a:pathLst>
+            </a:custGeom>
+            <a:solidFill>
+              <a:srgbClr val="F2F2F2"/>
+            </a:solidFill>
+            <a:ln>
+              <a:noFill/>
+            </a:ln>
+            <a:extLst>
+              <a:ext uri="{91240B29-F687-4F45-9708-019B960494DF}">
+                <a14:hiddenLine xmlns:a14="http://schemas.microsoft.com/office/drawing/2010/main" w="9525">
+                  <a:solidFill>
+                    <a:srgbClr val="000000"/>
+                  </a:solidFill>
+                  <a:round/>
+                </a14:hiddenLine>
+              </a:ext>
+            </a:extLst>
+          </p:spPr>
+          <p:txBody>
+            <a:bodyPr vert="horz" wrap="square" lIns="91440" tIns="45720" rIns="91440" bIns="45720" numCol="1" anchor="t" anchorCtr="0" compatLnSpc="1"/>
+            <a:p>
+              <a:endParaRPr lang="zh-CN" altLang="en-US"/>
+            </a:p>
+          </p:txBody>
+        </p:sp>
+        <p:sp>
+          <p:nvSpPr>
+            <p:cNvPr id="6" name="Freeform 6"/>
+            <p:cNvSpPr/>
+            <p:nvPr/>
+          </p:nvSpPr>
+          <p:spPr bwMode="auto">
+            <a:xfrm>
+              <a:off x="735" y="774"/>
+              <a:ext cx="61" cy="52"/>
+            </a:xfrm>
+            <a:custGeom>
+              <a:avLst/>
+              <a:gdLst>
+                <a:gd name="T0" fmla="*/ 25 w 28"/>
+                <a:gd name="T1" fmla="*/ 23 h 24"/>
+                <a:gd name="T2" fmla="*/ 27 w 28"/>
+                <a:gd name="T3" fmla="*/ 21 h 24"/>
+                <a:gd name="T4" fmla="*/ 3 w 28"/>
+                <a:gd name="T5" fmla="*/ 1 h 24"/>
+                <a:gd name="T6" fmla="*/ 2 w 28"/>
+                <a:gd name="T7" fmla="*/ 4 h 24"/>
+                <a:gd name="T8" fmla="*/ 25 w 28"/>
+                <a:gd name="T9" fmla="*/ 23 h 24"/>
+              </a:gdLst>
+              <a:ahLst/>
+              <a:cxnLst>
+                <a:cxn ang="0">
+                  <a:pos x="T0" y="T1"/>
+                </a:cxn>
+                <a:cxn ang="0">
+                  <a:pos x="T2" y="T3"/>
+                </a:cxn>
+                <a:cxn ang="0">
+                  <a:pos x="T4" y="T5"/>
+                </a:cxn>
+                <a:cxn ang="0">
+                  <a:pos x="T6" y="T7"/>
+                </a:cxn>
+                <a:cxn ang="0">
+                  <a:pos x="T8" y="T9"/>
+                </a:cxn>
+              </a:cxnLst>
+              <a:rect l="0" t="0" r="r" b="b"/>
+              <a:pathLst>
+                <a:path w="28" h="24">
+                  <a:moveTo>
+                    <a:pt x="25" y="23"/>
+                  </a:moveTo>
+                  <a:cubicBezTo>
+                    <a:pt x="26" y="24"/>
+                    <a:pt x="28" y="23"/>
+                    <a:pt x="27" y="21"/>
+                  </a:cubicBezTo>
+                  <a:cubicBezTo>
+                    <a:pt x="24" y="10"/>
+                    <a:pt x="13" y="4"/>
+                    <a:pt x="3" y="1"/>
+                  </a:cubicBezTo>
+                  <a:cubicBezTo>
+                    <a:pt x="1" y="0"/>
+                    <a:pt x="0" y="3"/>
+                    <a:pt x="2" y="4"/>
+                  </a:cubicBezTo>
+                  <a:cubicBezTo>
+                    <a:pt x="10" y="10"/>
+                    <a:pt x="17" y="17"/>
+                    <a:pt x="25" y="23"/>
+                  </a:cubicBezTo>
+                  <a:close/>
+                </a:path>
+              </a:pathLst>
+            </a:custGeom>
+            <a:solidFill>
+              <a:srgbClr val="F2F2F2"/>
+            </a:solidFill>
+            <a:ln>
+              <a:noFill/>
+            </a:ln>
+            <a:extLst>
+              <a:ext uri="{91240B29-F687-4F45-9708-019B960494DF}">
+                <a14:hiddenLine xmlns:a14="http://schemas.microsoft.com/office/drawing/2010/main" w="9525">
+                  <a:solidFill>
+                    <a:srgbClr val="000000"/>
+                  </a:solidFill>
+                  <a:round/>
+                </a14:hiddenLine>
+              </a:ext>
+            </a:extLst>
+          </p:spPr>
+          <p:txBody>
+            <a:bodyPr vert="horz" wrap="square" lIns="91440" tIns="45720" rIns="91440" bIns="45720" numCol="1" anchor="t" anchorCtr="0" compatLnSpc="1"/>
+            <a:p>
+              <a:endParaRPr lang="zh-CN" altLang="en-US"/>
+            </a:p>
+          </p:txBody>
+        </p:sp>
+        <p:sp>
+          <p:nvSpPr>
+            <p:cNvPr id="7" name="Freeform 7"/>
+            <p:cNvSpPr/>
+            <p:nvPr/>
+          </p:nvSpPr>
+          <p:spPr bwMode="auto">
+            <a:xfrm>
+              <a:off x="759" y="748"/>
+              <a:ext cx="76" cy="50"/>
+            </a:xfrm>
+            <a:custGeom>
+              <a:avLst/>
+              <a:gdLst>
+                <a:gd name="T0" fmla="*/ 3 w 35"/>
+                <a:gd name="T1" fmla="*/ 1 h 23"/>
+                <a:gd name="T2" fmla="*/ 3 w 35"/>
+                <a:gd name="T3" fmla="*/ 5 h 23"/>
+                <a:gd name="T4" fmla="*/ 17 w 35"/>
+                <a:gd name="T5" fmla="*/ 11 h 23"/>
+                <a:gd name="T6" fmla="*/ 31 w 35"/>
+                <a:gd name="T7" fmla="*/ 22 h 23"/>
+                <a:gd name="T8" fmla="*/ 34 w 35"/>
+                <a:gd name="T9" fmla="*/ 20 h 23"/>
+                <a:gd name="T10" fmla="*/ 3 w 35"/>
+                <a:gd name="T11" fmla="*/ 1 h 23"/>
+              </a:gdLst>
+              <a:ahLst/>
+              <a:cxnLst>
+                <a:cxn ang="0">
+                  <a:pos x="T0" y="T1"/>
+                </a:cxn>
+                <a:cxn ang="0">
+                  <a:pos x="T2" y="T3"/>
+                </a:cxn>
+                <a:cxn ang="0">
+                  <a:pos x="T4" y="T5"/>
+                </a:cxn>
+                <a:cxn ang="0">
+                  <a:pos x="T6" y="T7"/>
+                </a:cxn>
+                <a:cxn ang="0">
+                  <a:pos x="T8" y="T9"/>
+                </a:cxn>
+                <a:cxn ang="0">
+                  <a:pos x="T10" y="T11"/>
+                </a:cxn>
+              </a:cxnLst>
+              <a:rect l="0" t="0" r="r" b="b"/>
+              <a:pathLst>
+                <a:path w="35" h="23">
+                  <a:moveTo>
+                    <a:pt x="3" y="1"/>
+                  </a:moveTo>
+                  <a:cubicBezTo>
+                    <a:pt x="1" y="1"/>
+                    <a:pt x="0" y="4"/>
+                    <a:pt x="3" y="5"/>
+                  </a:cubicBezTo>
+                  <a:cubicBezTo>
+                    <a:pt x="8" y="6"/>
+                    <a:pt x="13" y="8"/>
+                    <a:pt x="17" y="11"/>
+                  </a:cubicBezTo>
+                  <a:cubicBezTo>
+                    <a:pt x="22" y="15"/>
+                    <a:pt x="26" y="19"/>
+                    <a:pt x="31" y="22"/>
+                  </a:cubicBezTo>
+                  <a:cubicBezTo>
+                    <a:pt x="33" y="23"/>
+                    <a:pt x="35" y="22"/>
+                    <a:pt x="34" y="20"/>
+                  </a:cubicBezTo>
+                  <a:cubicBezTo>
+                    <a:pt x="30" y="8"/>
+                    <a:pt x="16" y="0"/>
+                    <a:pt x="3" y="1"/>
+                  </a:cubicBezTo>
+                  <a:close/>
+                </a:path>
+              </a:pathLst>
+            </a:custGeom>
+            <a:solidFill>
+              <a:srgbClr val="F2F2F2"/>
+            </a:solidFill>
+            <a:ln>
+              <a:noFill/>
+            </a:ln>
+            <a:extLst>
+              <a:ext uri="{91240B29-F687-4F45-9708-019B960494DF}">
+                <a14:hiddenLine xmlns:a14="http://schemas.microsoft.com/office/drawing/2010/main" w="9525">
+                  <a:solidFill>
+                    <a:srgbClr val="000000"/>
+                  </a:solidFill>
+                  <a:round/>
+                </a14:hiddenLine>
+              </a:ext>
+            </a:extLst>
+          </p:spPr>
+          <p:txBody>
+            <a:bodyPr vert="horz" wrap="square" lIns="91440" tIns="45720" rIns="91440" bIns="45720" numCol="1" anchor="t" anchorCtr="0" compatLnSpc="1"/>
+            <a:p>
+              <a:endParaRPr lang="zh-CN" altLang="en-US"/>
+            </a:p>
+          </p:txBody>
+        </p:sp>
+      </p:grpSp>
+    </p:spTree>
+  </p:cSld>
+  <p:clrMapOvr>
+    <a:masterClrMapping/>
+  </p:clrMapOvr>
+</p:sld>
+</file>
+
+<file path=ppt/slides/slide7.xml><?xml version="1.0" encoding="utf-8"?>
+<p:sld xmlns:a="http://schemas.openxmlformats.org/drawingml/2006/main" xmlns:r="http://schemas.openxmlformats.org/officeDocument/2006/relationships" xmlns:p="http://schemas.openxmlformats.org/presentationml/2006/main">
+  <p:cSld>
+    <p:spTree>
+      <p:nvGrpSpPr>
+        <p:cNvPr id="1" name=""/>
+        <p:cNvGrpSpPr/>
+        <p:nvPr/>
+      </p:nvGrpSpPr>
+      <p:grpSpPr/>
+      <p:sp>
+        <p:nvSpPr>
+          <p:cNvPr id="4" name="Rectangle 47"/>
+          <p:cNvSpPr/>
+          <p:nvPr/>
+        </p:nvSpPr>
+        <p:spPr>
+          <a:xfrm>
+            <a:off x="1303655" y="745490"/>
+            <a:ext cx="2654935" cy="492125"/>
+          </a:xfrm>
+          <a:prstGeom prst="rect">
+            <a:avLst/>
+          </a:prstGeom>
+        </p:spPr>
+        <p:txBody>
+          <a:bodyPr wrap="square" lIns="0" tIns="0" rIns="0" bIns="0">
+            <a:spAutoFit/>
+          </a:bodyPr>
+          <a:p>
+            <a:pPr algn="l"/>
+            <a:r>
+              <a:rPr lang="zh-CN" altLang="en-US" sz="3200" b="1" dirty="0" smtClean="0">
+                <a:solidFill>
+                  <a:schemeClr val="bg1"/>
+                </a:solidFill>
+                <a:latin typeface="方正静蕾简体" pitchFamily="2" charset="-122"/>
+                <a:ea typeface="方正静蕾简体" pitchFamily="2" charset="-122"/>
+                <a:cs typeface="Arial" panose="020B0604020202020204" pitchFamily="34" charset="0"/>
+              </a:rPr>
+              <a:t>贪婪与非贪婪</a:t>
+            </a:r>
+            <a:endParaRPr lang="zh-CN" altLang="en-US" sz="3200" b="1" dirty="0" smtClean="0">
+              <a:solidFill>
+                <a:schemeClr val="bg1"/>
+              </a:solidFill>
+              <a:latin typeface="方正静蕾简体" pitchFamily="2" charset="-122"/>
+              <a:ea typeface="方正静蕾简体" pitchFamily="2" charset="-122"/>
+              <a:cs typeface="Arial" panose="020B0604020202020204" pitchFamily="34" charset="0"/>
+            </a:endParaRPr>
+          </a:p>
+        </p:txBody>
+      </p:sp>
+      <p:grpSp>
+        <p:nvGrpSpPr>
+          <p:cNvPr id="5" name="Group 4"/>
+          <p:cNvGrpSpPr>
+            <a:grpSpLocks noChangeAspect="1"/>
+          </p:cNvGrpSpPr>
+          <p:nvPr/>
+        </p:nvGrpSpPr>
+        <p:grpSpPr bwMode="auto">
+          <a:xfrm rot="891772">
+            <a:off x="536752" y="536938"/>
+            <a:ext cx="507974" cy="919389"/>
+            <a:chOff x="472" y="425"/>
+            <a:chExt cx="363" cy="657"/>
+          </a:xfrm>
+        </p:grpSpPr>
+        <p:sp>
+          <p:nvSpPr>
+            <p:cNvPr id="6" name="Freeform 5"/>
+            <p:cNvSpPr>
+              <a:spLocks noEditPoints="1"/>
+            </p:cNvSpPr>
+            <p:nvPr/>
+          </p:nvSpPr>
+          <p:spPr bwMode="auto">
+            <a:xfrm>
+              <a:off x="472" y="425"/>
+              <a:ext cx="335" cy="657"/>
+            </a:xfrm>
+            <a:custGeom>
+              <a:avLst/>
+              <a:gdLst>
+                <a:gd name="T0" fmla="*/ 81 w 154"/>
+                <a:gd name="T1" fmla="*/ 9 h 305"/>
+                <a:gd name="T2" fmla="*/ 48 w 154"/>
+                <a:gd name="T3" fmla="*/ 43 h 305"/>
+                <a:gd name="T4" fmla="*/ 49 w 154"/>
+                <a:gd name="T5" fmla="*/ 47 h 305"/>
+                <a:gd name="T6" fmla="*/ 30 w 154"/>
+                <a:gd name="T7" fmla="*/ 143 h 305"/>
+                <a:gd name="T8" fmla="*/ 21 w 154"/>
+                <a:gd name="T9" fmla="*/ 158 h 305"/>
+                <a:gd name="T10" fmla="*/ 88 w 154"/>
+                <a:gd name="T11" fmla="*/ 243 h 305"/>
+                <a:gd name="T12" fmla="*/ 101 w 154"/>
+                <a:gd name="T13" fmla="*/ 243 h 305"/>
+                <a:gd name="T14" fmla="*/ 91 w 154"/>
+                <a:gd name="T15" fmla="*/ 285 h 305"/>
+                <a:gd name="T16" fmla="*/ 85 w 154"/>
+                <a:gd name="T17" fmla="*/ 275 h 305"/>
+                <a:gd name="T18" fmla="*/ 81 w 154"/>
+                <a:gd name="T19" fmla="*/ 278 h 305"/>
+                <a:gd name="T20" fmla="*/ 85 w 154"/>
+                <a:gd name="T21" fmla="*/ 303 h 305"/>
+                <a:gd name="T22" fmla="*/ 110 w 154"/>
+                <a:gd name="T23" fmla="*/ 247 h 305"/>
+                <a:gd name="T24" fmla="*/ 107 w 154"/>
+                <a:gd name="T25" fmla="*/ 238 h 305"/>
+                <a:gd name="T26" fmla="*/ 85 w 154"/>
+                <a:gd name="T27" fmla="*/ 164 h 305"/>
+                <a:gd name="T28" fmla="*/ 81 w 154"/>
+                <a:gd name="T29" fmla="*/ 151 h 305"/>
+                <a:gd name="T30" fmla="*/ 80 w 154"/>
+                <a:gd name="T31" fmla="*/ 143 h 305"/>
+                <a:gd name="T32" fmla="*/ 67 w 154"/>
+                <a:gd name="T33" fmla="*/ 92 h 305"/>
+                <a:gd name="T34" fmla="*/ 85 w 154"/>
+                <a:gd name="T35" fmla="*/ 39 h 305"/>
+                <a:gd name="T36" fmla="*/ 81 w 154"/>
+                <a:gd name="T37" fmla="*/ 11 h 305"/>
+                <a:gd name="T38" fmla="*/ 103 w 154"/>
+                <a:gd name="T39" fmla="*/ 228 h 305"/>
+                <a:gd name="T40" fmla="*/ 85 w 154"/>
+                <a:gd name="T41" fmla="*/ 174 h 305"/>
+                <a:gd name="T42" fmla="*/ 76 w 154"/>
+                <a:gd name="T43" fmla="*/ 143 h 305"/>
+                <a:gd name="T44" fmla="*/ 78 w 154"/>
+                <a:gd name="T45" fmla="*/ 151 h 305"/>
+                <a:gd name="T46" fmla="*/ 45 w 154"/>
+                <a:gd name="T47" fmla="*/ 189 h 305"/>
+                <a:gd name="T48" fmla="*/ 81 w 154"/>
+                <a:gd name="T49" fmla="*/ 174 h 305"/>
+                <a:gd name="T50" fmla="*/ 85 w 154"/>
+                <a:gd name="T51" fmla="*/ 192 h 305"/>
+                <a:gd name="T52" fmla="*/ 96 w 154"/>
+                <a:gd name="T53" fmla="*/ 231 h 305"/>
+                <a:gd name="T54" fmla="*/ 81 w 154"/>
+                <a:gd name="T55" fmla="*/ 233 h 305"/>
+                <a:gd name="T56" fmla="*/ 36 w 154"/>
+                <a:gd name="T57" fmla="*/ 147 h 305"/>
+                <a:gd name="T58" fmla="*/ 38 w 154"/>
+                <a:gd name="T59" fmla="*/ 143 h 305"/>
+                <a:gd name="T60" fmla="*/ 76 w 154"/>
+                <a:gd name="T61" fmla="*/ 143 h 305"/>
+                <a:gd name="T62" fmla="*/ 75 w 154"/>
+                <a:gd name="T63" fmla="*/ 47 h 305"/>
+                <a:gd name="T64" fmla="*/ 68 w 154"/>
+                <a:gd name="T65" fmla="*/ 75 h 305"/>
+                <a:gd name="T66" fmla="*/ 57 w 154"/>
+                <a:gd name="T67" fmla="*/ 47 h 305"/>
+                <a:gd name="T68" fmla="*/ 57 w 154"/>
+                <a:gd name="T69" fmla="*/ 19 h 305"/>
+                <a:gd name="T70" fmla="*/ 76 w 154"/>
+                <a:gd name="T71" fmla="*/ 43 h 305"/>
+              </a:gdLst>
+              <a:ahLst/>
+              <a:cxnLst>
+                <a:cxn ang="0">
+                  <a:pos x="T0" y="T1"/>
+                </a:cxn>
+                <a:cxn ang="0">
+                  <a:pos x="T2" y="T3"/>
+                </a:cxn>
+                <a:cxn ang="0">
+                  <a:pos x="T4" y="T5"/>
+                </a:cxn>
+                <a:cxn ang="0">
+                  <a:pos x="T6" y="T7"/>
+                </a:cxn>
+                <a:cxn ang="0">
+                  <a:pos x="T8" y="T9"/>
+                </a:cxn>
+                <a:cxn ang="0">
+                  <a:pos x="T10" y="T11"/>
+                </a:cxn>
+                <a:cxn ang="0">
+                  <a:pos x="T12" y="T13"/>
+                </a:cxn>
+                <a:cxn ang="0">
+                  <a:pos x="T14" y="T15"/>
+                </a:cxn>
+                <a:cxn ang="0">
+                  <a:pos x="T16" y="T17"/>
+                </a:cxn>
+                <a:cxn ang="0">
+                  <a:pos x="T18" y="T19"/>
+                </a:cxn>
+                <a:cxn ang="0">
+                  <a:pos x="T20" y="T21"/>
+                </a:cxn>
+                <a:cxn ang="0">
+                  <a:pos x="T22" y="T23"/>
+                </a:cxn>
+                <a:cxn ang="0">
+                  <a:pos x="T24" y="T25"/>
+                </a:cxn>
+                <a:cxn ang="0">
+                  <a:pos x="T26" y="T27"/>
+                </a:cxn>
+                <a:cxn ang="0">
+                  <a:pos x="T28" y="T29"/>
+                </a:cxn>
+                <a:cxn ang="0">
+                  <a:pos x="T30" y="T31"/>
+                </a:cxn>
+                <a:cxn ang="0">
+                  <a:pos x="T32" y="T33"/>
+                </a:cxn>
+                <a:cxn ang="0">
+                  <a:pos x="T34" y="T35"/>
+                </a:cxn>
+                <a:cxn ang="0">
+                  <a:pos x="T36" y="T37"/>
+                </a:cxn>
+                <a:cxn ang="0">
+                  <a:pos x="T38" y="T39"/>
+                </a:cxn>
+                <a:cxn ang="0">
+                  <a:pos x="T40" y="T41"/>
+                </a:cxn>
+                <a:cxn ang="0">
+                  <a:pos x="T42" y="T43"/>
+                </a:cxn>
+                <a:cxn ang="0">
+                  <a:pos x="T44" y="T45"/>
+                </a:cxn>
+                <a:cxn ang="0">
+                  <a:pos x="T46" y="T47"/>
+                </a:cxn>
+                <a:cxn ang="0">
+                  <a:pos x="T48" y="T49"/>
+                </a:cxn>
+                <a:cxn ang="0">
+                  <a:pos x="T50" y="T51"/>
+                </a:cxn>
+                <a:cxn ang="0">
+                  <a:pos x="T52" y="T53"/>
+                </a:cxn>
+                <a:cxn ang="0">
+                  <a:pos x="T54" y="T55"/>
+                </a:cxn>
+                <a:cxn ang="0">
+                  <a:pos x="T56" y="T57"/>
+                </a:cxn>
+                <a:cxn ang="0">
+                  <a:pos x="T58" y="T59"/>
+                </a:cxn>
+                <a:cxn ang="0">
+                  <a:pos x="T60" y="T61"/>
+                </a:cxn>
+                <a:cxn ang="0">
+                  <a:pos x="T62" y="T63"/>
+                </a:cxn>
+                <a:cxn ang="0">
+                  <a:pos x="T64" y="T65"/>
+                </a:cxn>
+                <a:cxn ang="0">
+                  <a:pos x="T66" y="T67"/>
+                </a:cxn>
+                <a:cxn ang="0">
+                  <a:pos x="T68" y="T69"/>
+                </a:cxn>
+                <a:cxn ang="0">
+                  <a:pos x="T70" y="T71"/>
+                </a:cxn>
+              </a:cxnLst>
+              <a:rect l="0" t="0" r="r" b="b"/>
+              <a:pathLst>
+                <a:path w="154" h="305">
+                  <a:moveTo>
+                    <a:pt x="81" y="11"/>
+                  </a:moveTo>
+                  <a:cubicBezTo>
+                    <a:pt x="81" y="10"/>
+                    <a:pt x="81" y="10"/>
+                    <a:pt x="81" y="9"/>
+                  </a:cubicBezTo>
+                  <a:cubicBezTo>
+                    <a:pt x="78" y="2"/>
+                    <a:pt x="64" y="0"/>
+                    <a:pt x="58" y="4"/>
+                  </a:cubicBezTo>
+                  <a:cubicBezTo>
+                    <a:pt x="48" y="10"/>
+                    <a:pt x="47" y="33"/>
+                    <a:pt x="48" y="43"/>
+                  </a:cubicBezTo>
+                  <a:cubicBezTo>
+                    <a:pt x="48" y="43"/>
+                    <a:pt x="48" y="43"/>
+                    <a:pt x="48" y="43"/>
+                  </a:cubicBezTo>
+                  <a:cubicBezTo>
+                    <a:pt x="48" y="44"/>
+                    <a:pt x="48" y="46"/>
+                    <a:pt x="49" y="47"/>
+                  </a:cubicBezTo>
+                  <a:cubicBezTo>
+                    <a:pt x="51" y="63"/>
+                    <a:pt x="56" y="78"/>
+                    <a:pt x="61" y="93"/>
+                  </a:cubicBezTo>
+                  <a:cubicBezTo>
+                    <a:pt x="52" y="110"/>
+                    <a:pt x="39" y="126"/>
+                    <a:pt x="30" y="143"/>
+                  </a:cubicBezTo>
+                  <a:cubicBezTo>
+                    <a:pt x="29" y="144"/>
+                    <a:pt x="28" y="146"/>
+                    <a:pt x="27" y="147"/>
+                  </a:cubicBezTo>
+                  <a:cubicBezTo>
+                    <a:pt x="25" y="151"/>
+                    <a:pt x="23" y="154"/>
+                    <a:pt x="21" y="158"/>
+                  </a:cubicBezTo>
+                  <a:cubicBezTo>
+                    <a:pt x="0" y="205"/>
+                    <a:pt x="32" y="238"/>
+                    <a:pt x="69" y="243"/>
+                  </a:cubicBezTo>
+                  <a:cubicBezTo>
+                    <a:pt x="75" y="244"/>
+                    <a:pt x="82" y="244"/>
+                    <a:pt x="88" y="243"/>
+                  </a:cubicBezTo>
+                  <a:cubicBezTo>
+                    <a:pt x="92" y="242"/>
+                    <a:pt x="96" y="242"/>
+                    <a:pt x="100" y="240"/>
+                  </a:cubicBezTo>
+                  <a:cubicBezTo>
+                    <a:pt x="100" y="241"/>
+                    <a:pt x="100" y="242"/>
+                    <a:pt x="101" y="243"/>
+                  </a:cubicBezTo>
+                  <a:cubicBezTo>
+                    <a:pt x="101" y="244"/>
+                    <a:pt x="101" y="246"/>
+                    <a:pt x="102" y="247"/>
+                  </a:cubicBezTo>
+                  <a:cubicBezTo>
+                    <a:pt x="104" y="258"/>
+                    <a:pt x="103" y="270"/>
+                    <a:pt x="91" y="285"/>
+                  </a:cubicBezTo>
+                  <a:cubicBezTo>
+                    <a:pt x="91" y="284"/>
+                    <a:pt x="91" y="284"/>
+                    <a:pt x="91" y="284"/>
+                  </a:cubicBezTo>
+                  <a:cubicBezTo>
+                    <a:pt x="92" y="280"/>
+                    <a:pt x="89" y="276"/>
+                    <a:pt x="85" y="275"/>
+                  </a:cubicBezTo>
+                  <a:cubicBezTo>
+                    <a:pt x="84" y="275"/>
+                    <a:pt x="82" y="276"/>
+                    <a:pt x="81" y="277"/>
+                  </a:cubicBezTo>
+                  <a:cubicBezTo>
+                    <a:pt x="81" y="277"/>
+                    <a:pt x="81" y="277"/>
+                    <a:pt x="81" y="278"/>
+                  </a:cubicBezTo>
+                  <a:cubicBezTo>
+                    <a:pt x="74" y="285"/>
+                    <a:pt x="75" y="295"/>
+                    <a:pt x="81" y="300"/>
+                  </a:cubicBezTo>
+                  <a:cubicBezTo>
+                    <a:pt x="82" y="301"/>
+                    <a:pt x="84" y="302"/>
+                    <a:pt x="85" y="303"/>
+                  </a:cubicBezTo>
+                  <a:cubicBezTo>
+                    <a:pt x="88" y="304"/>
+                    <a:pt x="92" y="305"/>
+                    <a:pt x="97" y="304"/>
+                  </a:cubicBezTo>
+                  <a:cubicBezTo>
+                    <a:pt x="120" y="297"/>
+                    <a:pt x="117" y="271"/>
+                    <a:pt x="110" y="247"/>
+                  </a:cubicBezTo>
+                  <a:cubicBezTo>
+                    <a:pt x="109" y="246"/>
+                    <a:pt x="109" y="244"/>
+                    <a:pt x="109" y="243"/>
+                  </a:cubicBezTo>
+                  <a:cubicBezTo>
+                    <a:pt x="108" y="241"/>
+                    <a:pt x="107" y="239"/>
+                    <a:pt x="107" y="238"/>
+                  </a:cubicBezTo>
+                  <a:cubicBezTo>
+                    <a:pt x="117" y="233"/>
+                    <a:pt x="127" y="226"/>
+                    <a:pt x="134" y="215"/>
+                  </a:cubicBezTo>
+                  <a:cubicBezTo>
+                    <a:pt x="154" y="188"/>
+                    <a:pt x="117" y="163"/>
+                    <a:pt x="85" y="164"/>
+                  </a:cubicBezTo>
+                  <a:cubicBezTo>
+                    <a:pt x="84" y="164"/>
+                    <a:pt x="84" y="164"/>
+                    <a:pt x="83" y="164"/>
+                  </a:cubicBezTo>
+                  <a:cubicBezTo>
+                    <a:pt x="83" y="159"/>
+                    <a:pt x="82" y="155"/>
+                    <a:pt x="81" y="151"/>
+                  </a:cubicBezTo>
+                  <a:cubicBezTo>
+                    <a:pt x="81" y="149"/>
+                    <a:pt x="81" y="148"/>
+                    <a:pt x="80" y="147"/>
+                  </a:cubicBezTo>
+                  <a:cubicBezTo>
+                    <a:pt x="80" y="146"/>
+                    <a:pt x="80" y="144"/>
+                    <a:pt x="80" y="143"/>
+                  </a:cubicBezTo>
+                  <a:cubicBezTo>
+                    <a:pt x="77" y="131"/>
+                    <a:pt x="75" y="119"/>
+                    <a:pt x="72" y="108"/>
+                  </a:cubicBezTo>
+                  <a:cubicBezTo>
+                    <a:pt x="71" y="103"/>
+                    <a:pt x="69" y="97"/>
+                    <a:pt x="67" y="92"/>
+                  </a:cubicBezTo>
+                  <a:cubicBezTo>
+                    <a:pt x="73" y="81"/>
+                    <a:pt x="78" y="71"/>
+                    <a:pt x="81" y="60"/>
+                  </a:cubicBezTo>
+                  <a:cubicBezTo>
+                    <a:pt x="83" y="53"/>
+                    <a:pt x="85" y="46"/>
+                    <a:pt x="85" y="39"/>
+                  </a:cubicBezTo>
+                  <a:cubicBezTo>
+                    <a:pt x="85" y="35"/>
+                    <a:pt x="85" y="32"/>
+                    <a:pt x="85" y="29"/>
+                  </a:cubicBezTo>
+                  <a:cubicBezTo>
+                    <a:pt x="85" y="23"/>
+                    <a:pt x="83" y="17"/>
+                    <a:pt x="81" y="11"/>
+                  </a:cubicBezTo>
+                  <a:close/>
+                  <a:moveTo>
+                    <a:pt x="109" y="225"/>
+                  </a:moveTo>
+                  <a:cubicBezTo>
+                    <a:pt x="107" y="226"/>
+                    <a:pt x="105" y="228"/>
+                    <a:pt x="103" y="228"/>
+                  </a:cubicBezTo>
+                  <a:cubicBezTo>
+                    <a:pt x="101" y="222"/>
+                    <a:pt x="98" y="216"/>
+                    <a:pt x="97" y="213"/>
+                  </a:cubicBezTo>
+                  <a:cubicBezTo>
+                    <a:pt x="92" y="200"/>
+                    <a:pt x="88" y="187"/>
+                    <a:pt x="85" y="174"/>
+                  </a:cubicBezTo>
+                  <a:cubicBezTo>
+                    <a:pt x="115" y="174"/>
+                    <a:pt x="144" y="202"/>
+                    <a:pt x="109" y="225"/>
+                  </a:cubicBezTo>
+                  <a:close/>
+                  <a:moveTo>
+                    <a:pt x="76" y="143"/>
+                  </a:moveTo>
+                  <a:cubicBezTo>
+                    <a:pt x="76" y="144"/>
+                    <a:pt x="76" y="146"/>
+                    <a:pt x="77" y="147"/>
+                  </a:cubicBezTo>
+                  <a:cubicBezTo>
+                    <a:pt x="77" y="148"/>
+                    <a:pt x="77" y="150"/>
+                    <a:pt x="78" y="151"/>
+                  </a:cubicBezTo>
+                  <a:cubicBezTo>
+                    <a:pt x="78" y="155"/>
+                    <a:pt x="79" y="160"/>
+                    <a:pt x="80" y="164"/>
+                  </a:cubicBezTo>
+                  <a:cubicBezTo>
+                    <a:pt x="64" y="165"/>
+                    <a:pt x="50" y="173"/>
+                    <a:pt x="45" y="189"/>
+                  </a:cubicBezTo>
+                  <a:cubicBezTo>
+                    <a:pt x="44" y="192"/>
+                    <a:pt x="49" y="194"/>
+                    <a:pt x="51" y="191"/>
+                  </a:cubicBezTo>
+                  <a:cubicBezTo>
+                    <a:pt x="59" y="180"/>
+                    <a:pt x="70" y="175"/>
+                    <a:pt x="81" y="174"/>
+                  </a:cubicBezTo>
+                  <a:cubicBezTo>
+                    <a:pt x="81" y="174"/>
+                    <a:pt x="82" y="174"/>
+                    <a:pt x="82" y="174"/>
+                  </a:cubicBezTo>
+                  <a:cubicBezTo>
+                    <a:pt x="83" y="180"/>
+                    <a:pt x="84" y="186"/>
+                    <a:pt x="85" y="192"/>
+                  </a:cubicBezTo>
+                  <a:cubicBezTo>
+                    <a:pt x="87" y="199"/>
+                    <a:pt x="88" y="207"/>
+                    <a:pt x="91" y="214"/>
+                  </a:cubicBezTo>
+                  <a:cubicBezTo>
+                    <a:pt x="92" y="220"/>
+                    <a:pt x="94" y="226"/>
+                    <a:pt x="96" y="231"/>
+                  </a:cubicBezTo>
+                  <a:cubicBezTo>
+                    <a:pt x="93" y="232"/>
+                    <a:pt x="89" y="233"/>
+                    <a:pt x="85" y="233"/>
+                  </a:cubicBezTo>
+                  <a:cubicBezTo>
+                    <a:pt x="84" y="233"/>
+                    <a:pt x="82" y="233"/>
+                    <a:pt x="81" y="233"/>
+                  </a:cubicBezTo>
+                  <a:cubicBezTo>
+                    <a:pt x="67" y="233"/>
+                    <a:pt x="52" y="228"/>
+                    <a:pt x="41" y="223"/>
+                  </a:cubicBezTo>
+                  <a:cubicBezTo>
+                    <a:pt x="9" y="206"/>
+                    <a:pt x="24" y="170"/>
+                    <a:pt x="36" y="147"/>
+                  </a:cubicBezTo>
+                  <a:cubicBezTo>
+                    <a:pt x="36" y="146"/>
+                    <a:pt x="36" y="145"/>
+                    <a:pt x="37" y="144"/>
+                  </a:cubicBezTo>
+                  <a:cubicBezTo>
+                    <a:pt x="37" y="144"/>
+                    <a:pt x="37" y="143"/>
+                    <a:pt x="38" y="143"/>
+                  </a:cubicBezTo>
+                  <a:cubicBezTo>
+                    <a:pt x="45" y="130"/>
+                    <a:pt x="54" y="116"/>
+                    <a:pt x="63" y="100"/>
+                  </a:cubicBezTo>
+                  <a:cubicBezTo>
+                    <a:pt x="67" y="114"/>
+                    <a:pt x="72" y="129"/>
+                    <a:pt x="76" y="143"/>
+                  </a:cubicBezTo>
+                  <a:close/>
+                  <a:moveTo>
+                    <a:pt x="76" y="43"/>
+                  </a:moveTo>
+                  <a:cubicBezTo>
+                    <a:pt x="76" y="44"/>
+                    <a:pt x="75" y="46"/>
+                    <a:pt x="75" y="47"/>
+                  </a:cubicBezTo>
+                  <a:cubicBezTo>
+                    <a:pt x="75" y="47"/>
+                    <a:pt x="75" y="48"/>
+                    <a:pt x="75" y="48"/>
+                  </a:cubicBezTo>
+                  <a:cubicBezTo>
+                    <a:pt x="74" y="57"/>
+                    <a:pt x="71" y="66"/>
+                    <a:pt x="68" y="75"/>
+                  </a:cubicBezTo>
+                  <a:cubicBezTo>
+                    <a:pt x="67" y="78"/>
+                    <a:pt x="66" y="81"/>
+                    <a:pt x="65" y="83"/>
+                  </a:cubicBezTo>
+                  <a:cubicBezTo>
+                    <a:pt x="61" y="71"/>
+                    <a:pt x="58" y="59"/>
+                    <a:pt x="57" y="47"/>
+                  </a:cubicBezTo>
+                  <a:cubicBezTo>
+                    <a:pt x="57" y="46"/>
+                    <a:pt x="56" y="44"/>
+                    <a:pt x="56" y="43"/>
+                  </a:cubicBezTo>
+                  <a:cubicBezTo>
+                    <a:pt x="56" y="35"/>
+                    <a:pt x="56" y="27"/>
+                    <a:pt x="57" y="19"/>
+                  </a:cubicBezTo>
+                  <a:cubicBezTo>
+                    <a:pt x="58" y="12"/>
+                    <a:pt x="64" y="13"/>
+                    <a:pt x="77" y="23"/>
+                  </a:cubicBezTo>
+                  <a:cubicBezTo>
+                    <a:pt x="77" y="30"/>
+                    <a:pt x="77" y="36"/>
+                    <a:pt x="76" y="43"/>
+                  </a:cubicBezTo>
+                  <a:close/>
+                </a:path>
+              </a:pathLst>
+            </a:custGeom>
+            <a:solidFill>
+              <a:srgbClr val="F2F2F2"/>
+            </a:solidFill>
+            <a:ln>
+              <a:noFill/>
+            </a:ln>
+            <a:extLst>
+              <a:ext uri="{91240B29-F687-4F45-9708-019B960494DF}">
+                <a14:hiddenLine xmlns:a14="http://schemas.microsoft.com/office/drawing/2010/main" w="9525">
+                  <a:solidFill>
+                    <a:srgbClr val="000000"/>
+                  </a:solidFill>
+                  <a:round/>
+                </a14:hiddenLine>
+              </a:ext>
+            </a:extLst>
+          </p:spPr>
+          <p:txBody>
+            <a:bodyPr vert="horz" wrap="square" lIns="91440" tIns="45720" rIns="91440" bIns="45720" numCol="1" anchor="t" anchorCtr="0" compatLnSpc="1"/>
+            <a:p>
+              <a:endParaRPr lang="zh-CN" altLang="en-US"/>
+            </a:p>
+          </p:txBody>
+        </p:sp>
+        <p:sp>
+          <p:nvSpPr>
+            <p:cNvPr id="7" name="Freeform 6"/>
+            <p:cNvSpPr/>
+            <p:nvPr/>
+          </p:nvSpPr>
+          <p:spPr bwMode="auto">
+            <a:xfrm>
+              <a:off x="735" y="774"/>
+              <a:ext cx="61" cy="52"/>
+            </a:xfrm>
+            <a:custGeom>
+              <a:avLst/>
+              <a:gdLst>
+                <a:gd name="T0" fmla="*/ 25 w 28"/>
+                <a:gd name="T1" fmla="*/ 23 h 24"/>
+                <a:gd name="T2" fmla="*/ 27 w 28"/>
+                <a:gd name="T3" fmla="*/ 21 h 24"/>
+                <a:gd name="T4" fmla="*/ 3 w 28"/>
+                <a:gd name="T5" fmla="*/ 1 h 24"/>
+                <a:gd name="T6" fmla="*/ 2 w 28"/>
+                <a:gd name="T7" fmla="*/ 4 h 24"/>
+                <a:gd name="T8" fmla="*/ 25 w 28"/>
+                <a:gd name="T9" fmla="*/ 23 h 24"/>
+              </a:gdLst>
+              <a:ahLst/>
+              <a:cxnLst>
+                <a:cxn ang="0">
+                  <a:pos x="T0" y="T1"/>
+                </a:cxn>
+                <a:cxn ang="0">
+                  <a:pos x="T2" y="T3"/>
+                </a:cxn>
+                <a:cxn ang="0">
+                  <a:pos x="T4" y="T5"/>
+                </a:cxn>
+                <a:cxn ang="0">
+                  <a:pos x="T6" y="T7"/>
+                </a:cxn>
+                <a:cxn ang="0">
+                  <a:pos x="T8" y="T9"/>
+                </a:cxn>
+              </a:cxnLst>
+              <a:rect l="0" t="0" r="r" b="b"/>
+              <a:pathLst>
+                <a:path w="28" h="24">
+                  <a:moveTo>
+                    <a:pt x="25" y="23"/>
+                  </a:moveTo>
+                  <a:cubicBezTo>
+                    <a:pt x="26" y="24"/>
+                    <a:pt x="28" y="23"/>
+                    <a:pt x="27" y="21"/>
+                  </a:cubicBezTo>
+                  <a:cubicBezTo>
+                    <a:pt x="24" y="10"/>
+                    <a:pt x="13" y="4"/>
+                    <a:pt x="3" y="1"/>
+                  </a:cubicBezTo>
+                  <a:cubicBezTo>
+                    <a:pt x="1" y="0"/>
+                    <a:pt x="0" y="3"/>
+                    <a:pt x="2" y="4"/>
+                  </a:cubicBezTo>
+                  <a:cubicBezTo>
+                    <a:pt x="10" y="10"/>
+                    <a:pt x="17" y="17"/>
+                    <a:pt x="25" y="23"/>
+                  </a:cubicBezTo>
+                  <a:close/>
+                </a:path>
+              </a:pathLst>
+            </a:custGeom>
+            <a:solidFill>
+              <a:srgbClr val="F2F2F2"/>
+            </a:solidFill>
+            <a:ln>
+              <a:noFill/>
+            </a:ln>
+            <a:extLst>
+              <a:ext uri="{91240B29-F687-4F45-9708-019B960494DF}">
+                <a14:hiddenLine xmlns:a14="http://schemas.microsoft.com/office/drawing/2010/main" w="9525">
+                  <a:solidFill>
+                    <a:srgbClr val="000000"/>
+                  </a:solidFill>
+                  <a:round/>
+                </a14:hiddenLine>
+              </a:ext>
+            </a:extLst>
+          </p:spPr>
+          <p:txBody>
+            <a:bodyPr vert="horz" wrap="square" lIns="91440" tIns="45720" rIns="91440" bIns="45720" numCol="1" anchor="t" anchorCtr="0" compatLnSpc="1"/>
+            <a:p>
+              <a:endParaRPr lang="zh-CN" altLang="en-US"/>
+            </a:p>
+          </p:txBody>
+        </p:sp>
+        <p:sp>
+          <p:nvSpPr>
+            <p:cNvPr id="8" name="Freeform 7"/>
+            <p:cNvSpPr/>
+            <p:nvPr/>
+          </p:nvSpPr>
+          <p:spPr bwMode="auto">
+            <a:xfrm>
+              <a:off x="759" y="748"/>
+              <a:ext cx="76" cy="50"/>
+            </a:xfrm>
+            <a:custGeom>
+              <a:avLst/>
+              <a:gdLst>
+                <a:gd name="T0" fmla="*/ 3 w 35"/>
+                <a:gd name="T1" fmla="*/ 1 h 23"/>
+                <a:gd name="T2" fmla="*/ 3 w 35"/>
+                <a:gd name="T3" fmla="*/ 5 h 23"/>
+                <a:gd name="T4" fmla="*/ 17 w 35"/>
+                <a:gd name="T5" fmla="*/ 11 h 23"/>
+                <a:gd name="T6" fmla="*/ 31 w 35"/>
+                <a:gd name="T7" fmla="*/ 22 h 23"/>
+                <a:gd name="T8" fmla="*/ 34 w 35"/>
+                <a:gd name="T9" fmla="*/ 20 h 23"/>
+                <a:gd name="T10" fmla="*/ 3 w 35"/>
+                <a:gd name="T11" fmla="*/ 1 h 23"/>
+              </a:gdLst>
+              <a:ahLst/>
+              <a:cxnLst>
+                <a:cxn ang="0">
+                  <a:pos x="T0" y="T1"/>
+                </a:cxn>
+                <a:cxn ang="0">
+                  <a:pos x="T2" y="T3"/>
+                </a:cxn>
+                <a:cxn ang="0">
+                  <a:pos x="T4" y="T5"/>
+                </a:cxn>
+                <a:cxn ang="0">
+                  <a:pos x="T6" y="T7"/>
+                </a:cxn>
+                <a:cxn ang="0">
+                  <a:pos x="T8" y="T9"/>
+                </a:cxn>
+                <a:cxn ang="0">
+                  <a:pos x="T10" y="T11"/>
+                </a:cxn>
+              </a:cxnLst>
+              <a:rect l="0" t="0" r="r" b="b"/>
+              <a:pathLst>
+                <a:path w="35" h="23">
+                  <a:moveTo>
+                    <a:pt x="3" y="1"/>
+                  </a:moveTo>
+                  <a:cubicBezTo>
+                    <a:pt x="1" y="1"/>
+                    <a:pt x="0" y="4"/>
+                    <a:pt x="3" y="5"/>
+                  </a:cubicBezTo>
+                  <a:cubicBezTo>
+                    <a:pt x="8" y="6"/>
+                    <a:pt x="13" y="8"/>
+                    <a:pt x="17" y="11"/>
+                  </a:cubicBezTo>
+                  <a:cubicBezTo>
+                    <a:pt x="22" y="15"/>
+                    <a:pt x="26" y="19"/>
+                    <a:pt x="31" y="22"/>
+                  </a:cubicBezTo>
+                  <a:cubicBezTo>
+                    <a:pt x="33" y="23"/>
+                    <a:pt x="35" y="22"/>
+                    <a:pt x="34" y="20"/>
+                  </a:cubicBezTo>
+                  <a:cubicBezTo>
+                    <a:pt x="30" y="8"/>
+                    <a:pt x="16" y="0"/>
+                    <a:pt x="3" y="1"/>
+                  </a:cubicBezTo>
+                  <a:close/>
+                </a:path>
+              </a:pathLst>
+            </a:custGeom>
+            <a:solidFill>
+              <a:srgbClr val="F2F2F2"/>
+            </a:solidFill>
+            <a:ln>
+              <a:noFill/>
+            </a:ln>
+            <a:extLst>
+              <a:ext uri="{91240B29-F687-4F45-9708-019B960494DF}">
+                <a14:hiddenLine xmlns:a14="http://schemas.microsoft.com/office/drawing/2010/main" w="9525">
+                  <a:solidFill>
+                    <a:srgbClr val="000000"/>
+                  </a:solidFill>
+                  <a:round/>
+                </a14:hiddenLine>
+              </a:ext>
+            </a:extLst>
+          </p:spPr>
+          <p:txBody>
+            <a:bodyPr vert="horz" wrap="square" lIns="91440" tIns="45720" rIns="91440" bIns="45720" numCol="1" anchor="t" anchorCtr="0" compatLnSpc="1"/>
+            <a:p>
+              <a:endParaRPr lang="zh-CN" altLang="en-US"/>
+            </a:p>
+          </p:txBody>
+        </p:sp>
+      </p:grpSp>
+      <p:sp>
+        <p:nvSpPr>
+          <p:cNvPr id="9" name="文本框 8"/>
+          <p:cNvSpPr txBox="1"/>
+          <p:nvPr/>
+        </p:nvSpPr>
+        <p:spPr>
+          <a:xfrm>
+            <a:off x="960755" y="1610995"/>
+            <a:ext cx="8690610" cy="953135"/>
+          </a:xfrm>
+          <a:prstGeom prst="rect">
+            <a:avLst/>
+          </a:prstGeom>
+          <a:noFill/>
+        </p:spPr>
+        <p:txBody>
+          <a:bodyPr wrap="square" rtlCol="0" anchor="t">
+            <a:spAutoFit/>
+          </a:bodyPr>
+          <a:p>
+            <a:r>
+              <a:rPr lang="en-US" altLang="zh-CN" sz="2800">
+                <a:solidFill>
+                  <a:schemeClr val="bg1"/>
+                </a:solidFill>
+              </a:rPr>
+              <a:t>? </a:t>
+            </a:r>
+            <a:r>
+              <a:rPr lang="zh-CN" altLang="en-US" sz="2800">
+                <a:solidFill>
+                  <a:schemeClr val="bg1"/>
+                </a:solidFill>
+              </a:rPr>
+              <a:t>如果紧跟在任何量词 </a:t>
+            </a:r>
+            <a:r>
+              <a:rPr lang="en-US" altLang="zh-CN" sz="2800">
+                <a:solidFill>
+                  <a:schemeClr val="bg1"/>
+                </a:solidFill>
+              </a:rPr>
+              <a:t>*,+,</a:t>
+            </a:r>
+            <a:r>
+              <a:rPr lang="zh-CN" altLang="en-US" sz="2800">
+                <a:solidFill>
+                  <a:schemeClr val="bg1"/>
+                </a:solidFill>
+              </a:rPr>
+              <a:t>或｛｝后面，将会使用量词变为非贪婪的，默认是贪婪的</a:t>
+            </a:r>
+            <a:endParaRPr lang="en-US" altLang="zh-CN" sz="2800">
+              <a:solidFill>
+                <a:schemeClr val="bg1"/>
+              </a:solidFill>
+            </a:endParaRPr>
+          </a:p>
+        </p:txBody>
+      </p:sp>
     </p:spTree>
   </p:cSld>
   <p:clrMapOvr>
